--- a/Englishor/Doc/DoAnPP.pptx
+++ b/Englishor/Doc/DoAnPP.pptx
@@ -4,6 +4,9 @@
   <p:sldMasterIdLst>
     <p:sldMasterId id="2147483660" r:id="rId1"/>
   </p:sldMasterIdLst>
+  <p:notesMasterIdLst>
+    <p:notesMasterId r:id="rId16"/>
+  </p:notesMasterIdLst>
   <p:sldIdLst>
     <p:sldId id="256" r:id="rId2"/>
     <p:sldId id="257" r:id="rId3"/>
@@ -14,9 +17,11 @@
     <p:sldId id="265" r:id="rId8"/>
     <p:sldId id="266" r:id="rId9"/>
     <p:sldId id="267" r:id="rId10"/>
-    <p:sldId id="268" r:id="rId11"/>
-    <p:sldId id="269" r:id="rId12"/>
-    <p:sldId id="262" r:id="rId13"/>
+    <p:sldId id="271" r:id="rId11"/>
+    <p:sldId id="270" r:id="rId12"/>
+    <p:sldId id="268" r:id="rId13"/>
+    <p:sldId id="269" r:id="rId14"/>
+    <p:sldId id="262" r:id="rId15"/>
   </p:sldIdLst>
   <p:sldSz cx="9144000" cy="6858000" type="screen4x3"/>
   <p:notesSz cx="6858000" cy="9144000"/>
@@ -132,6 +137,524 @@
     </p:ext>
   </p:extLst>
 </p:presentation>
+</file>
+
+<file path=ppt/notesMasters/notesMaster1.xml><?xml version="1.0" encoding="utf-8"?>
+<p:notesMaster xmlns:a="http://schemas.openxmlformats.org/drawingml/2006/main" xmlns:r="http://schemas.openxmlformats.org/officeDocument/2006/relationships" xmlns:p="http://schemas.openxmlformats.org/presentationml/2006/main">
+  <p:cSld>
+    <p:bg>
+      <p:bgRef idx="1001">
+        <a:schemeClr val="bg1"/>
+      </p:bgRef>
+    </p:bg>
+    <p:spTree>
+      <p:nvGrpSpPr>
+        <p:cNvPr id="1" name=""/>
+        <p:cNvGrpSpPr/>
+        <p:nvPr/>
+      </p:nvGrpSpPr>
+      <p:grpSpPr>
+        <a:xfrm>
+          <a:off x="0" y="0"/>
+          <a:ext cx="0" cy="0"/>
+          <a:chOff x="0" y="0"/>
+          <a:chExt cx="0" cy="0"/>
+        </a:xfrm>
+      </p:grpSpPr>
+      <p:sp>
+        <p:nvSpPr>
+          <p:cNvPr id="2" name="Header Placeholder 1"/>
+          <p:cNvSpPr>
+            <a:spLocks noGrp="1"/>
+          </p:cNvSpPr>
+          <p:nvPr>
+            <p:ph type="hdr" sz="quarter"/>
+          </p:nvPr>
+        </p:nvSpPr>
+        <p:spPr>
+          <a:xfrm>
+            <a:off x="0" y="0"/>
+            <a:ext cx="2971800" cy="458788"/>
+          </a:xfrm>
+          <a:prstGeom prst="rect">
+            <a:avLst/>
+          </a:prstGeom>
+        </p:spPr>
+        <p:txBody>
+          <a:bodyPr vert="horz" lIns="91440" tIns="45720" rIns="91440" bIns="45720" rtlCol="0"/>
+          <a:lstStyle>
+            <a:lvl1pPr algn="l">
+              <a:defRPr sz="1200"/>
+            </a:lvl1pPr>
+          </a:lstStyle>
+          <a:p>
+            <a:endParaRPr lang="en-US"/>
+          </a:p>
+        </p:txBody>
+      </p:sp>
+      <p:sp>
+        <p:nvSpPr>
+          <p:cNvPr id="3" name="Date Placeholder 2"/>
+          <p:cNvSpPr>
+            <a:spLocks noGrp="1"/>
+          </p:cNvSpPr>
+          <p:nvPr>
+            <p:ph type="dt" idx="1"/>
+          </p:nvPr>
+        </p:nvSpPr>
+        <p:spPr>
+          <a:xfrm>
+            <a:off x="3884613" y="0"/>
+            <a:ext cx="2971800" cy="458788"/>
+          </a:xfrm>
+          <a:prstGeom prst="rect">
+            <a:avLst/>
+          </a:prstGeom>
+        </p:spPr>
+        <p:txBody>
+          <a:bodyPr vert="horz" lIns="91440" tIns="45720" rIns="91440" bIns="45720" rtlCol="0"/>
+          <a:lstStyle>
+            <a:lvl1pPr algn="r">
+              <a:defRPr sz="1200"/>
+            </a:lvl1pPr>
+          </a:lstStyle>
+          <a:p>
+            <a:fld id="{CE5D1F34-D2ED-9547-944A-932D204C5252}" type="datetimeFigureOut">
+              <a:rPr lang="en-US" smtClean="0"/>
+              <a:t>12/24/18</a:t>
+            </a:fld>
+            <a:endParaRPr lang="en-US"/>
+          </a:p>
+        </p:txBody>
+      </p:sp>
+      <p:sp>
+        <p:nvSpPr>
+          <p:cNvPr id="4" name="Slide Image Placeholder 3"/>
+          <p:cNvSpPr>
+            <a:spLocks noGrp="1" noRot="1" noChangeAspect="1"/>
+          </p:cNvSpPr>
+          <p:nvPr>
+            <p:ph type="sldImg" idx="2"/>
+          </p:nvPr>
+        </p:nvSpPr>
+        <p:spPr>
+          <a:xfrm>
+            <a:off x="1371600" y="1143000"/>
+            <a:ext cx="4114800" cy="3086100"/>
+          </a:xfrm>
+          <a:prstGeom prst="rect">
+            <a:avLst/>
+          </a:prstGeom>
+          <a:noFill/>
+          <a:ln w="12700">
+            <a:solidFill>
+              <a:prstClr val="black"/>
+            </a:solidFill>
+          </a:ln>
+        </p:spPr>
+        <p:txBody>
+          <a:bodyPr vert="horz" lIns="91440" tIns="45720" rIns="91440" bIns="45720" rtlCol="0" anchor="ctr"/>
+          <a:lstStyle/>
+          <a:p>
+            <a:endParaRPr lang="en-US"/>
+          </a:p>
+        </p:txBody>
+      </p:sp>
+      <p:sp>
+        <p:nvSpPr>
+          <p:cNvPr id="5" name="Notes Placeholder 4"/>
+          <p:cNvSpPr>
+            <a:spLocks noGrp="1"/>
+          </p:cNvSpPr>
+          <p:nvPr>
+            <p:ph type="body" sz="quarter" idx="3"/>
+          </p:nvPr>
+        </p:nvSpPr>
+        <p:spPr>
+          <a:xfrm>
+            <a:off x="685800" y="4400550"/>
+            <a:ext cx="5486400" cy="3600450"/>
+          </a:xfrm>
+          <a:prstGeom prst="rect">
+            <a:avLst/>
+          </a:prstGeom>
+        </p:spPr>
+        <p:txBody>
+          <a:bodyPr vert="horz" lIns="91440" tIns="45720" rIns="91440" bIns="45720" rtlCol="0"/>
+          <a:lstStyle/>
+          <a:p>
+            <a:pPr lvl="0"/>
+            <a:r>
+              <a:rPr lang="en-US" smtClean="0"/>
+              <a:t>Click to edit Master text styles</a:t>
+            </a:r>
+          </a:p>
+          <a:p>
+            <a:pPr lvl="1"/>
+            <a:r>
+              <a:rPr lang="en-US" smtClean="0"/>
+              <a:t>Second level</a:t>
+            </a:r>
+          </a:p>
+          <a:p>
+            <a:pPr lvl="2"/>
+            <a:r>
+              <a:rPr lang="en-US" smtClean="0"/>
+              <a:t>Third level</a:t>
+            </a:r>
+          </a:p>
+          <a:p>
+            <a:pPr lvl="3"/>
+            <a:r>
+              <a:rPr lang="en-US" smtClean="0"/>
+              <a:t>Fourth level</a:t>
+            </a:r>
+          </a:p>
+          <a:p>
+            <a:pPr lvl="4"/>
+            <a:r>
+              <a:rPr lang="en-US" smtClean="0"/>
+              <a:t>Fifth level</a:t>
+            </a:r>
+            <a:endParaRPr lang="en-US"/>
+          </a:p>
+        </p:txBody>
+      </p:sp>
+      <p:sp>
+        <p:nvSpPr>
+          <p:cNvPr id="6" name="Footer Placeholder 5"/>
+          <p:cNvSpPr>
+            <a:spLocks noGrp="1"/>
+          </p:cNvSpPr>
+          <p:nvPr>
+            <p:ph type="ftr" sz="quarter" idx="4"/>
+          </p:nvPr>
+        </p:nvSpPr>
+        <p:spPr>
+          <a:xfrm>
+            <a:off x="0" y="8685213"/>
+            <a:ext cx="2971800" cy="458787"/>
+          </a:xfrm>
+          <a:prstGeom prst="rect">
+            <a:avLst/>
+          </a:prstGeom>
+        </p:spPr>
+        <p:txBody>
+          <a:bodyPr vert="horz" lIns="91440" tIns="45720" rIns="91440" bIns="45720" rtlCol="0" anchor="b"/>
+          <a:lstStyle>
+            <a:lvl1pPr algn="l">
+              <a:defRPr sz="1200"/>
+            </a:lvl1pPr>
+          </a:lstStyle>
+          <a:p>
+            <a:endParaRPr lang="en-US"/>
+          </a:p>
+        </p:txBody>
+      </p:sp>
+      <p:sp>
+        <p:nvSpPr>
+          <p:cNvPr id="7" name="Slide Number Placeholder 6"/>
+          <p:cNvSpPr>
+            <a:spLocks noGrp="1"/>
+          </p:cNvSpPr>
+          <p:nvPr>
+            <p:ph type="sldNum" sz="quarter" idx="5"/>
+          </p:nvPr>
+        </p:nvSpPr>
+        <p:spPr>
+          <a:xfrm>
+            <a:off x="3884613" y="8685213"/>
+            <a:ext cx="2971800" cy="458787"/>
+          </a:xfrm>
+          <a:prstGeom prst="rect">
+            <a:avLst/>
+          </a:prstGeom>
+        </p:spPr>
+        <p:txBody>
+          <a:bodyPr vert="horz" lIns="91440" tIns="45720" rIns="91440" bIns="45720" rtlCol="0" anchor="b"/>
+          <a:lstStyle>
+            <a:lvl1pPr algn="r">
+              <a:defRPr sz="1200"/>
+            </a:lvl1pPr>
+          </a:lstStyle>
+          <a:p>
+            <a:fld id="{98A8DE62-4039-7F47-8045-302CB3E1FCAF}" type="slidenum">
+              <a:rPr lang="en-US" smtClean="0"/>
+              <a:t>‹#›</a:t>
+            </a:fld>
+            <a:endParaRPr lang="en-US"/>
+          </a:p>
+        </p:txBody>
+      </p:sp>
+    </p:spTree>
+    <p:extLst>
+      <p:ext uri="{BB962C8B-B14F-4D97-AF65-F5344CB8AC3E}">
+        <p14:creationId xmlns:p14="http://schemas.microsoft.com/office/powerpoint/2010/main" val="1687381684"/>
+      </p:ext>
+    </p:extLst>
+  </p:cSld>
+  <p:clrMap bg1="lt1" tx1="dk1" bg2="lt2" tx2="dk2" accent1="accent1" accent2="accent2" accent3="accent3" accent4="accent4" accent5="accent5" accent6="accent6" hlink="hlink" folHlink="folHlink"/>
+  <p:notesStyle>
+    <a:lvl1pPr marL="0" algn="l" defTabSz="914400" rtl="0" eaLnBrk="1" latinLnBrk="0" hangingPunct="1">
+      <a:defRPr sz="1200" kern="1200">
+        <a:solidFill>
+          <a:schemeClr val="tx1"/>
+        </a:solidFill>
+        <a:latin typeface="+mn-lt"/>
+        <a:ea typeface="+mn-ea"/>
+        <a:cs typeface="+mn-cs"/>
+      </a:defRPr>
+    </a:lvl1pPr>
+    <a:lvl2pPr marL="457200" algn="l" defTabSz="914400" rtl="0" eaLnBrk="1" latinLnBrk="0" hangingPunct="1">
+      <a:defRPr sz="1200" kern="1200">
+        <a:solidFill>
+          <a:schemeClr val="tx1"/>
+        </a:solidFill>
+        <a:latin typeface="+mn-lt"/>
+        <a:ea typeface="+mn-ea"/>
+        <a:cs typeface="+mn-cs"/>
+      </a:defRPr>
+    </a:lvl2pPr>
+    <a:lvl3pPr marL="914400" algn="l" defTabSz="914400" rtl="0" eaLnBrk="1" latinLnBrk="0" hangingPunct="1">
+      <a:defRPr sz="1200" kern="1200">
+        <a:solidFill>
+          <a:schemeClr val="tx1"/>
+        </a:solidFill>
+        <a:latin typeface="+mn-lt"/>
+        <a:ea typeface="+mn-ea"/>
+        <a:cs typeface="+mn-cs"/>
+      </a:defRPr>
+    </a:lvl3pPr>
+    <a:lvl4pPr marL="1371600" algn="l" defTabSz="914400" rtl="0" eaLnBrk="1" latinLnBrk="0" hangingPunct="1">
+      <a:defRPr sz="1200" kern="1200">
+        <a:solidFill>
+          <a:schemeClr val="tx1"/>
+        </a:solidFill>
+        <a:latin typeface="+mn-lt"/>
+        <a:ea typeface="+mn-ea"/>
+        <a:cs typeface="+mn-cs"/>
+      </a:defRPr>
+    </a:lvl4pPr>
+    <a:lvl5pPr marL="1828800" algn="l" defTabSz="914400" rtl="0" eaLnBrk="1" latinLnBrk="0" hangingPunct="1">
+      <a:defRPr sz="1200" kern="1200">
+        <a:solidFill>
+          <a:schemeClr val="tx1"/>
+        </a:solidFill>
+        <a:latin typeface="+mn-lt"/>
+        <a:ea typeface="+mn-ea"/>
+        <a:cs typeface="+mn-cs"/>
+      </a:defRPr>
+    </a:lvl5pPr>
+    <a:lvl6pPr marL="2286000" algn="l" defTabSz="914400" rtl="0" eaLnBrk="1" latinLnBrk="0" hangingPunct="1">
+      <a:defRPr sz="1200" kern="1200">
+        <a:solidFill>
+          <a:schemeClr val="tx1"/>
+        </a:solidFill>
+        <a:latin typeface="+mn-lt"/>
+        <a:ea typeface="+mn-ea"/>
+        <a:cs typeface="+mn-cs"/>
+      </a:defRPr>
+    </a:lvl6pPr>
+    <a:lvl7pPr marL="2743200" algn="l" defTabSz="914400" rtl="0" eaLnBrk="1" latinLnBrk="0" hangingPunct="1">
+      <a:defRPr sz="1200" kern="1200">
+        <a:solidFill>
+          <a:schemeClr val="tx1"/>
+        </a:solidFill>
+        <a:latin typeface="+mn-lt"/>
+        <a:ea typeface="+mn-ea"/>
+        <a:cs typeface="+mn-cs"/>
+      </a:defRPr>
+    </a:lvl7pPr>
+    <a:lvl8pPr marL="3200400" algn="l" defTabSz="914400" rtl="0" eaLnBrk="1" latinLnBrk="0" hangingPunct="1">
+      <a:defRPr sz="1200" kern="1200">
+        <a:solidFill>
+          <a:schemeClr val="tx1"/>
+        </a:solidFill>
+        <a:latin typeface="+mn-lt"/>
+        <a:ea typeface="+mn-ea"/>
+        <a:cs typeface="+mn-cs"/>
+      </a:defRPr>
+    </a:lvl8pPr>
+    <a:lvl9pPr marL="3657600" algn="l" defTabSz="914400" rtl="0" eaLnBrk="1" latinLnBrk="0" hangingPunct="1">
+      <a:defRPr sz="1200" kern="1200">
+        <a:solidFill>
+          <a:schemeClr val="tx1"/>
+        </a:solidFill>
+        <a:latin typeface="+mn-lt"/>
+        <a:ea typeface="+mn-ea"/>
+        <a:cs typeface="+mn-cs"/>
+      </a:defRPr>
+    </a:lvl9pPr>
+  </p:notesStyle>
+</p:notesMaster>
+</file>
+
+<file path=ppt/notesSlides/notesSlide1.xml><?xml version="1.0" encoding="utf-8"?>
+<p:notes xmlns:a="http://schemas.openxmlformats.org/drawingml/2006/main" xmlns:r="http://schemas.openxmlformats.org/officeDocument/2006/relationships" xmlns:p="http://schemas.openxmlformats.org/presentationml/2006/main">
+  <p:cSld>
+    <p:spTree>
+      <p:nvGrpSpPr>
+        <p:cNvPr id="1" name=""/>
+        <p:cNvGrpSpPr/>
+        <p:nvPr/>
+      </p:nvGrpSpPr>
+      <p:grpSpPr>
+        <a:xfrm>
+          <a:off x="0" y="0"/>
+          <a:ext cx="0" cy="0"/>
+          <a:chOff x="0" y="0"/>
+          <a:chExt cx="0" cy="0"/>
+        </a:xfrm>
+      </p:grpSpPr>
+      <p:sp>
+        <p:nvSpPr>
+          <p:cNvPr id="2" name="Slide Image Placeholder 1"/>
+          <p:cNvSpPr>
+            <a:spLocks noGrp="1" noRot="1" noChangeAspect="1"/>
+          </p:cNvSpPr>
+          <p:nvPr>
+            <p:ph type="sldImg"/>
+          </p:nvPr>
+        </p:nvSpPr>
+        <p:spPr/>
+      </p:sp>
+      <p:sp>
+        <p:nvSpPr>
+          <p:cNvPr id="3" name="Notes Placeholder 2"/>
+          <p:cNvSpPr>
+            <a:spLocks noGrp="1"/>
+          </p:cNvSpPr>
+          <p:nvPr>
+            <p:ph type="body" idx="1"/>
+          </p:nvPr>
+        </p:nvSpPr>
+        <p:spPr/>
+        <p:txBody>
+          <a:bodyPr/>
+          <a:lstStyle/>
+          <a:p>
+            <a:endParaRPr lang="en-US"/>
+          </a:p>
+        </p:txBody>
+      </p:sp>
+      <p:sp>
+        <p:nvSpPr>
+          <p:cNvPr id="4" name="Slide Number Placeholder 3"/>
+          <p:cNvSpPr>
+            <a:spLocks noGrp="1"/>
+          </p:cNvSpPr>
+          <p:nvPr>
+            <p:ph type="sldNum" sz="quarter" idx="10"/>
+          </p:nvPr>
+        </p:nvSpPr>
+        <p:spPr/>
+        <p:txBody>
+          <a:bodyPr/>
+          <a:lstStyle/>
+          <a:p>
+            <a:fld id="{98A8DE62-4039-7F47-8045-302CB3E1FCAF}" type="slidenum">
+              <a:rPr lang="en-US" smtClean="0"/>
+              <a:t>1</a:t>
+            </a:fld>
+            <a:endParaRPr lang="en-US"/>
+          </a:p>
+        </p:txBody>
+      </p:sp>
+    </p:spTree>
+    <p:extLst>
+      <p:ext uri="{BB962C8B-B14F-4D97-AF65-F5344CB8AC3E}">
+        <p14:creationId xmlns:p14="http://schemas.microsoft.com/office/powerpoint/2010/main" val="154920706"/>
+      </p:ext>
+    </p:extLst>
+  </p:cSld>
+  <p:clrMapOvr>
+    <a:masterClrMapping/>
+  </p:clrMapOvr>
+</p:notes>
+</file>
+
+<file path=ppt/notesSlides/notesSlide2.xml><?xml version="1.0" encoding="utf-8"?>
+<p:notes xmlns:a="http://schemas.openxmlformats.org/drawingml/2006/main" xmlns:r="http://schemas.openxmlformats.org/officeDocument/2006/relationships" xmlns:p="http://schemas.openxmlformats.org/presentationml/2006/main">
+  <p:cSld>
+    <p:spTree>
+      <p:nvGrpSpPr>
+        <p:cNvPr id="1" name=""/>
+        <p:cNvGrpSpPr/>
+        <p:nvPr/>
+      </p:nvGrpSpPr>
+      <p:grpSpPr>
+        <a:xfrm>
+          <a:off x="0" y="0"/>
+          <a:ext cx="0" cy="0"/>
+          <a:chOff x="0" y="0"/>
+          <a:chExt cx="0" cy="0"/>
+        </a:xfrm>
+      </p:grpSpPr>
+      <p:sp>
+        <p:nvSpPr>
+          <p:cNvPr id="2" name="Slide Image Placeholder 1"/>
+          <p:cNvSpPr>
+            <a:spLocks noGrp="1" noRot="1" noChangeAspect="1"/>
+          </p:cNvSpPr>
+          <p:nvPr>
+            <p:ph type="sldImg"/>
+          </p:nvPr>
+        </p:nvSpPr>
+        <p:spPr/>
+      </p:sp>
+      <p:sp>
+        <p:nvSpPr>
+          <p:cNvPr id="3" name="Notes Placeholder 2"/>
+          <p:cNvSpPr>
+            <a:spLocks noGrp="1"/>
+          </p:cNvSpPr>
+          <p:nvPr>
+            <p:ph type="body" idx="1"/>
+          </p:nvPr>
+        </p:nvSpPr>
+        <p:spPr/>
+        <p:txBody>
+          <a:bodyPr/>
+          <a:lstStyle/>
+          <a:p>
+            <a:endParaRPr lang="en-US"/>
+          </a:p>
+        </p:txBody>
+      </p:sp>
+      <p:sp>
+        <p:nvSpPr>
+          <p:cNvPr id="4" name="Slide Number Placeholder 3"/>
+          <p:cNvSpPr>
+            <a:spLocks noGrp="1"/>
+          </p:cNvSpPr>
+          <p:nvPr>
+            <p:ph type="sldNum" sz="quarter" idx="10"/>
+          </p:nvPr>
+        </p:nvSpPr>
+        <p:spPr/>
+        <p:txBody>
+          <a:bodyPr/>
+          <a:lstStyle/>
+          <a:p>
+            <a:fld id="{98A8DE62-4039-7F47-8045-302CB3E1FCAF}" type="slidenum">
+              <a:rPr lang="en-US" smtClean="0"/>
+              <a:t>2</a:t>
+            </a:fld>
+            <a:endParaRPr lang="en-US"/>
+          </a:p>
+        </p:txBody>
+      </p:sp>
+    </p:spTree>
+    <p:extLst>
+      <p:ext uri="{BB962C8B-B14F-4D97-AF65-F5344CB8AC3E}">
+        <p14:creationId xmlns:p14="http://schemas.microsoft.com/office/powerpoint/2010/main" val="1715306772"/>
+      </p:ext>
+    </p:extLst>
+  </p:cSld>
+  <p:clrMapOvr>
+    <a:masterClrMapping/>
+  </p:clrMapOvr>
+</p:notes>
 </file>
 
 <file path=ppt/slideLayouts/slideLayout1.xml><?xml version="1.0" encoding="utf-8"?>
@@ -404,10 +927,6 @@
           <a:bodyPr/>
           <a:lstStyle/>
           <a:p>
-            <a:fld id="{D173924D-B2CC-45C8-973B-2085FB8F34C6}" type="datetimeFigureOut">
-              <a:rPr lang="zh-CN" altLang="en-US" smtClean="0"/>
-              <a:t>2018/12/24</a:t>
-            </a:fld>
             <a:endParaRPr lang="zh-CN" altLang="en-US"/>
           </a:p>
         </p:txBody>
@@ -584,10 +1103,6 @@
           <a:bodyPr/>
           <a:lstStyle/>
           <a:p>
-            <a:fld id="{D173924D-B2CC-45C8-973B-2085FB8F34C6}" type="datetimeFigureOut">
-              <a:rPr lang="zh-CN" altLang="en-US" smtClean="0"/>
-              <a:t>2018/12/24</a:t>
-            </a:fld>
             <a:endParaRPr lang="zh-CN" altLang="en-US"/>
           </a:p>
         </p:txBody>
@@ -731,10 +1246,6 @@
           <a:bodyPr/>
           <a:lstStyle/>
           <a:p>
-            <a:fld id="{D173924D-B2CC-45C8-973B-2085FB8F34C6}" type="datetimeFigureOut">
-              <a:rPr lang="zh-CN" altLang="en-US" smtClean="0"/>
-              <a:t>2018/12/24</a:t>
-            </a:fld>
             <a:endParaRPr lang="zh-CN" altLang="en-US"/>
           </a:p>
         </p:txBody>
@@ -2460,10 +2971,6 @@
           <a:bodyPr/>
           <a:lstStyle/>
           <a:p>
-            <a:fld id="{D173924D-B2CC-45C8-973B-2085FB8F34C6}" type="datetimeFigureOut">
-              <a:rPr lang="zh-CN" altLang="en-US" smtClean="0"/>
-              <a:t>2018/12/24</a:t>
-            </a:fld>
             <a:endParaRPr lang="zh-CN" altLang="en-US"/>
           </a:p>
         </p:txBody>
@@ -2578,10 +3085,6 @@
           <a:bodyPr/>
           <a:lstStyle/>
           <a:p>
-            <a:fld id="{D173924D-B2CC-45C8-973B-2085FB8F34C6}" type="datetimeFigureOut">
-              <a:rPr lang="zh-CN" altLang="en-US" smtClean="0"/>
-              <a:t>2018/12/24</a:t>
-            </a:fld>
             <a:endParaRPr lang="zh-CN" altLang="en-US"/>
           </a:p>
         </p:txBody>
@@ -2673,10 +3176,6 @@
           <a:bodyPr/>
           <a:lstStyle/>
           <a:p>
-            <a:fld id="{D173924D-B2CC-45C8-973B-2085FB8F34C6}" type="datetimeFigureOut">
-              <a:rPr lang="zh-CN" altLang="en-US" smtClean="0"/>
-              <a:t>2018/12/24</a:t>
-            </a:fld>
             <a:endParaRPr lang="zh-CN" altLang="en-US"/>
           </a:p>
         </p:txBody>
@@ -2950,10 +3449,6 @@
           <a:bodyPr/>
           <a:lstStyle/>
           <a:p>
-            <a:fld id="{D173924D-B2CC-45C8-973B-2085FB8F34C6}" type="datetimeFigureOut">
-              <a:rPr lang="zh-CN" altLang="en-US" smtClean="0"/>
-              <a:t>2018/12/24</a:t>
-            </a:fld>
             <a:endParaRPr lang="zh-CN" altLang="en-US"/>
           </a:p>
         </p:txBody>
@@ -3207,10 +3702,6 @@
           <a:bodyPr/>
           <a:lstStyle/>
           <a:p>
-            <a:fld id="{D173924D-B2CC-45C8-973B-2085FB8F34C6}" type="datetimeFigureOut">
-              <a:rPr lang="zh-CN" altLang="en-US" smtClean="0"/>
-              <a:t>2018/12/24</a:t>
-            </a:fld>
             <a:endParaRPr lang="zh-CN" altLang="en-US"/>
           </a:p>
         </p:txBody>
@@ -3423,10 +3914,6 @@
             </a:lvl1pPr>
           </a:lstStyle>
           <a:p>
-            <a:fld id="{D173924D-B2CC-45C8-973B-2085FB8F34C6}" type="datetimeFigureOut">
-              <a:rPr lang="zh-CN" altLang="en-US" smtClean="0"/>
-              <a:t>2018/12/24</a:t>
-            </a:fld>
             <a:endParaRPr lang="zh-CN" altLang="en-US"/>
           </a:p>
         </p:txBody>
@@ -3530,6 +4017,7 @@
     <p:sldLayoutId id="2147483670" r:id="rId10"/>
     <p:sldLayoutId id="2147483671" r:id="rId11"/>
   </p:sldLayoutIdLst>
+  <p:hf hdr="0" ftr="0" dt="0"/>
   <p:txStyles>
     <p:titleStyle>
       <a:lvl1pPr algn="l" defTabSz="914400" rtl="0" eaLnBrk="1" latinLnBrk="0" hangingPunct="1">
@@ -4052,7 +4540,7 @@
           <a:p>
             <a:pPr algn="ctr"/>
             <a:r>
-              <a:rPr lang="en-US" altLang="zh-CN" dirty="0" smtClean="0">
+              <a:rPr lang="en-US" altLang="zh-CN" b="1" dirty="0" smtClean="0">
                 <a:solidFill>
                   <a:srgbClr val="D34D4D"/>
                 </a:solidFill>
@@ -4062,7 +4550,7 @@
               </a:rPr>
               <a:t>HỌC VIỆN CÔNG NGHỆ BƯU CHÍNH VIỄN THÔNG</a:t>
             </a:r>
-            <a:endParaRPr lang="zh-CN" altLang="en-US" dirty="0">
+            <a:endParaRPr lang="zh-CN" altLang="en-US" b="1" dirty="0">
               <a:solidFill>
                 <a:srgbClr val="D34D4D"/>
               </a:solidFill>
@@ -4097,7 +4585,7 @@
           <a:p>
             <a:pPr algn="ctr"/>
             <a:r>
-              <a:rPr lang="en-US" altLang="zh-CN" dirty="0" smtClean="0">
+              <a:rPr lang="en-US" altLang="zh-CN" b="1" dirty="0" smtClean="0">
                 <a:solidFill>
                   <a:srgbClr val="D34D4D"/>
                 </a:solidFill>
@@ -4107,7 +4595,7 @@
               </a:rPr>
               <a:t>KHOA CÔNG NGHỆ THÔNG TIN 1</a:t>
             </a:r>
-            <a:endParaRPr lang="zh-CN" altLang="en-US" dirty="0">
+            <a:endParaRPr lang="zh-CN" altLang="en-US" b="1" dirty="0">
               <a:solidFill>
                 <a:srgbClr val="D34D4D"/>
               </a:solidFill>
@@ -4539,7 +5027,7 @@
           <p:nvPr/>
         </p:nvPicPr>
         <p:blipFill>
-          <a:blip r:embed="rId2"/>
+          <a:blip r:embed="rId3"/>
           <a:stretch>
             <a:fillRect/>
           </a:stretch>
@@ -4929,7 +5417,7 @@
                   <a:ea typeface="Times New Roman" charset="0"/>
                   <a:cs typeface="Times New Roman" charset="0"/>
                 </a:rPr>
-                <a:t>TỔNG KẾT</a:t>
+                <a:t>MỘT SỐ FRAMEWORK SỬ DỤNG</a:t>
               </a:r>
               <a:endParaRPr lang="zh-CN" altLang="en-US" b="1" dirty="0">
                 <a:latin typeface="Times New Roman" charset="0"/>
@@ -5056,7 +5544,7 @@
         <p:spPr>
           <a:xfrm>
             <a:off x="517060" y="1692642"/>
-            <a:ext cx="8441877" cy="2531719"/>
+            <a:ext cx="8441877" cy="2769989"/>
           </a:xfrm>
           <a:prstGeom prst="rect">
             <a:avLst/>
@@ -5080,292 +5568,12 @@
               <a:buChar char="•"/>
             </a:pPr>
             <a:r>
-              <a:rPr lang="en-US" altLang="zh-CN" b="1" dirty="0" err="1" smtClean="0">
-                <a:latin typeface="Times New Roman" charset="0"/>
-                <a:ea typeface="Times New Roman" charset="0"/>
-                <a:cs typeface="Times New Roman" charset="0"/>
-              </a:rPr>
-              <a:t>Nắm</a:t>
-            </a:r>
-            <a:r>
               <a:rPr lang="en-US" altLang="zh-CN" b="1" dirty="0" smtClean="0">
                 <a:latin typeface="Times New Roman" charset="0"/>
                 <a:ea typeface="Times New Roman" charset="0"/>
                 <a:cs typeface="Times New Roman" charset="0"/>
               </a:rPr>
-              <a:t> </a:t>
-            </a:r>
-            <a:r>
-              <a:rPr lang="en-US" altLang="zh-CN" b="1" dirty="0" err="1" smtClean="0">
-                <a:latin typeface="Times New Roman" charset="0"/>
-                <a:ea typeface="Times New Roman" charset="0"/>
-                <a:cs typeface="Times New Roman" charset="0"/>
-              </a:rPr>
-              <a:t>được</a:t>
-            </a:r>
-            <a:r>
-              <a:rPr lang="en-US" altLang="zh-CN" b="1" dirty="0" smtClean="0">
-                <a:latin typeface="Times New Roman" charset="0"/>
-                <a:ea typeface="Times New Roman" charset="0"/>
-                <a:cs typeface="Times New Roman" charset="0"/>
-              </a:rPr>
-              <a:t> </a:t>
-            </a:r>
-            <a:r>
-              <a:rPr lang="en-US" altLang="zh-CN" b="1" dirty="0" err="1" smtClean="0">
-                <a:latin typeface="Times New Roman" charset="0"/>
-                <a:ea typeface="Times New Roman" charset="0"/>
-                <a:cs typeface="Times New Roman" charset="0"/>
-              </a:rPr>
-              <a:t>các</a:t>
-            </a:r>
-            <a:r>
-              <a:rPr lang="en-US" altLang="zh-CN" b="1" dirty="0" smtClean="0">
-                <a:latin typeface="Times New Roman" charset="0"/>
-                <a:ea typeface="Times New Roman" charset="0"/>
-                <a:cs typeface="Times New Roman" charset="0"/>
-              </a:rPr>
-              <a:t> </a:t>
-            </a:r>
-            <a:r>
-              <a:rPr lang="en-US" altLang="zh-CN" b="1" dirty="0" err="1" smtClean="0">
-                <a:latin typeface="Times New Roman" charset="0"/>
-                <a:ea typeface="Times New Roman" charset="0"/>
-                <a:cs typeface="Times New Roman" charset="0"/>
-              </a:rPr>
-              <a:t>kiến</a:t>
-            </a:r>
-            <a:r>
-              <a:rPr lang="en-US" altLang="zh-CN" b="1" dirty="0" smtClean="0">
-                <a:latin typeface="Times New Roman" charset="0"/>
-                <a:ea typeface="Times New Roman" charset="0"/>
-                <a:cs typeface="Times New Roman" charset="0"/>
-              </a:rPr>
-              <a:t> </a:t>
-            </a:r>
-            <a:r>
-              <a:rPr lang="en-US" altLang="zh-CN" b="1" dirty="0" err="1" smtClean="0">
-                <a:latin typeface="Times New Roman" charset="0"/>
-                <a:ea typeface="Times New Roman" charset="0"/>
-                <a:cs typeface="Times New Roman" charset="0"/>
-              </a:rPr>
-              <a:t>thức</a:t>
-            </a:r>
-            <a:r>
-              <a:rPr lang="en-US" altLang="zh-CN" b="1" dirty="0" smtClean="0">
-                <a:latin typeface="Times New Roman" charset="0"/>
-                <a:ea typeface="Times New Roman" charset="0"/>
-                <a:cs typeface="Times New Roman" charset="0"/>
-              </a:rPr>
-              <a:t> </a:t>
-            </a:r>
-            <a:r>
-              <a:rPr lang="en-US" altLang="zh-CN" b="1" dirty="0" err="1" smtClean="0">
-                <a:latin typeface="Times New Roman" charset="0"/>
-                <a:ea typeface="Times New Roman" charset="0"/>
-                <a:cs typeface="Times New Roman" charset="0"/>
-              </a:rPr>
-              <a:t>cơ</a:t>
-            </a:r>
-            <a:r>
-              <a:rPr lang="en-US" altLang="zh-CN" b="1" dirty="0" smtClean="0">
-                <a:latin typeface="Times New Roman" charset="0"/>
-                <a:ea typeface="Times New Roman" charset="0"/>
-                <a:cs typeface="Times New Roman" charset="0"/>
-              </a:rPr>
-              <a:t> </a:t>
-            </a:r>
-            <a:r>
-              <a:rPr lang="en-US" altLang="zh-CN" b="1" dirty="0" err="1" smtClean="0">
-                <a:latin typeface="Times New Roman" charset="0"/>
-                <a:ea typeface="Times New Roman" charset="0"/>
-                <a:cs typeface="Times New Roman" charset="0"/>
-              </a:rPr>
-              <a:t>bản</a:t>
-            </a:r>
-            <a:r>
-              <a:rPr lang="en-US" altLang="zh-CN" b="1" dirty="0" smtClean="0">
-                <a:latin typeface="Times New Roman" charset="0"/>
-                <a:ea typeface="Times New Roman" charset="0"/>
-                <a:cs typeface="Times New Roman" charset="0"/>
-              </a:rPr>
-              <a:t> </a:t>
-            </a:r>
-            <a:r>
-              <a:rPr lang="en-US" altLang="zh-CN" b="1" dirty="0" err="1" smtClean="0">
-                <a:latin typeface="Times New Roman" charset="0"/>
-                <a:ea typeface="Times New Roman" charset="0"/>
-                <a:cs typeface="Times New Roman" charset="0"/>
-              </a:rPr>
-              <a:t>của</a:t>
-            </a:r>
-            <a:r>
-              <a:rPr lang="en-US" altLang="zh-CN" b="1" dirty="0" smtClean="0">
-                <a:latin typeface="Times New Roman" charset="0"/>
-                <a:ea typeface="Times New Roman" charset="0"/>
-                <a:cs typeface="Times New Roman" charset="0"/>
-              </a:rPr>
-              <a:t> </a:t>
-            </a:r>
-            <a:r>
-              <a:rPr lang="en-US" altLang="zh-CN" b="1" dirty="0" err="1" smtClean="0">
-                <a:latin typeface="Times New Roman" charset="0"/>
-                <a:ea typeface="Times New Roman" charset="0"/>
-                <a:cs typeface="Times New Roman" charset="0"/>
-              </a:rPr>
-              <a:t>hệ</a:t>
-            </a:r>
-            <a:r>
-              <a:rPr lang="en-US" altLang="zh-CN" b="1" dirty="0" smtClean="0">
-                <a:latin typeface="Times New Roman" charset="0"/>
-                <a:ea typeface="Times New Roman" charset="0"/>
-                <a:cs typeface="Times New Roman" charset="0"/>
-              </a:rPr>
-              <a:t> </a:t>
-            </a:r>
-            <a:r>
-              <a:rPr lang="en-US" altLang="zh-CN" b="1" dirty="0" err="1" smtClean="0">
-                <a:latin typeface="Times New Roman" charset="0"/>
-                <a:ea typeface="Times New Roman" charset="0"/>
-                <a:cs typeface="Times New Roman" charset="0"/>
-              </a:rPr>
-              <a:t>điều</a:t>
-            </a:r>
-            <a:r>
-              <a:rPr lang="en-US" altLang="zh-CN" b="1" dirty="0" smtClean="0">
-                <a:latin typeface="Times New Roman" charset="0"/>
-                <a:ea typeface="Times New Roman" charset="0"/>
-                <a:cs typeface="Times New Roman" charset="0"/>
-              </a:rPr>
-              <a:t> </a:t>
-            </a:r>
-            <a:r>
-              <a:rPr lang="en-US" altLang="zh-CN" b="1" dirty="0" err="1" smtClean="0">
-                <a:latin typeface="Times New Roman" charset="0"/>
-                <a:ea typeface="Times New Roman" charset="0"/>
-                <a:cs typeface="Times New Roman" charset="0"/>
-              </a:rPr>
-              <a:t>hành</a:t>
-            </a:r>
-            <a:r>
-              <a:rPr lang="en-US" altLang="zh-CN" b="1" dirty="0" smtClean="0">
-                <a:latin typeface="Times New Roman" charset="0"/>
-                <a:ea typeface="Times New Roman" charset="0"/>
-                <a:cs typeface="Times New Roman" charset="0"/>
-              </a:rPr>
-              <a:t> iOS, </a:t>
-            </a:r>
-            <a:r>
-              <a:rPr lang="en-US" altLang="zh-CN" b="1" dirty="0" err="1" smtClean="0">
-                <a:latin typeface="Times New Roman" charset="0"/>
-                <a:ea typeface="Times New Roman" charset="0"/>
-                <a:cs typeface="Times New Roman" charset="0"/>
-              </a:rPr>
-              <a:t>biết</a:t>
-            </a:r>
-            <a:r>
-              <a:rPr lang="en-US" altLang="zh-CN" b="1" dirty="0" smtClean="0">
-                <a:latin typeface="Times New Roman" charset="0"/>
-                <a:ea typeface="Times New Roman" charset="0"/>
-                <a:cs typeface="Times New Roman" charset="0"/>
-              </a:rPr>
-              <a:t> </a:t>
-            </a:r>
-            <a:r>
-              <a:rPr lang="en-US" altLang="zh-CN" b="1" dirty="0" err="1" smtClean="0">
-                <a:latin typeface="Times New Roman" charset="0"/>
-                <a:ea typeface="Times New Roman" charset="0"/>
-                <a:cs typeface="Times New Roman" charset="0"/>
-              </a:rPr>
-              <a:t>cách</a:t>
-            </a:r>
-            <a:r>
-              <a:rPr lang="en-US" altLang="zh-CN" b="1" dirty="0" smtClean="0">
-                <a:latin typeface="Times New Roman" charset="0"/>
-                <a:ea typeface="Times New Roman" charset="0"/>
-                <a:cs typeface="Times New Roman" charset="0"/>
-              </a:rPr>
-              <a:t> </a:t>
-            </a:r>
-            <a:r>
-              <a:rPr lang="en-US" altLang="zh-CN" b="1" dirty="0" err="1" smtClean="0">
-                <a:latin typeface="Times New Roman" charset="0"/>
-                <a:ea typeface="Times New Roman" charset="0"/>
-                <a:cs typeface="Times New Roman" charset="0"/>
-              </a:rPr>
-              <a:t>sử</a:t>
-            </a:r>
-            <a:r>
-              <a:rPr lang="en-US" altLang="zh-CN" b="1" dirty="0" smtClean="0">
-                <a:latin typeface="Times New Roman" charset="0"/>
-                <a:ea typeface="Times New Roman" charset="0"/>
-                <a:cs typeface="Times New Roman" charset="0"/>
-              </a:rPr>
-              <a:t> </a:t>
-            </a:r>
-            <a:r>
-              <a:rPr lang="en-US" altLang="zh-CN" b="1" dirty="0" err="1" smtClean="0">
-                <a:latin typeface="Times New Roman" charset="0"/>
-                <a:ea typeface="Times New Roman" charset="0"/>
-                <a:cs typeface="Times New Roman" charset="0"/>
-              </a:rPr>
-              <a:t>dụng</a:t>
-            </a:r>
-            <a:r>
-              <a:rPr lang="en-US" altLang="zh-CN" b="1" dirty="0" smtClean="0">
-                <a:latin typeface="Times New Roman" charset="0"/>
-                <a:ea typeface="Times New Roman" charset="0"/>
-                <a:cs typeface="Times New Roman" charset="0"/>
-              </a:rPr>
-              <a:t> </a:t>
-            </a:r>
-            <a:r>
-              <a:rPr lang="en-US" altLang="zh-CN" b="1" dirty="0" err="1" smtClean="0">
-                <a:latin typeface="Times New Roman" charset="0"/>
-                <a:ea typeface="Times New Roman" charset="0"/>
-                <a:cs typeface="Times New Roman" charset="0"/>
-              </a:rPr>
-              <a:t>một</a:t>
-            </a:r>
-            <a:r>
-              <a:rPr lang="en-US" altLang="zh-CN" b="1" dirty="0" smtClean="0">
-                <a:latin typeface="Times New Roman" charset="0"/>
-                <a:ea typeface="Times New Roman" charset="0"/>
-                <a:cs typeface="Times New Roman" charset="0"/>
-              </a:rPr>
-              <a:t> </a:t>
-            </a:r>
-            <a:r>
-              <a:rPr lang="en-US" altLang="zh-CN" b="1" dirty="0" err="1" smtClean="0">
-                <a:latin typeface="Times New Roman" charset="0"/>
-                <a:ea typeface="Times New Roman" charset="0"/>
-                <a:cs typeface="Times New Roman" charset="0"/>
-              </a:rPr>
-              <a:t>số</a:t>
-            </a:r>
-            <a:r>
-              <a:rPr lang="en-US" altLang="zh-CN" b="1" dirty="0" smtClean="0">
-                <a:latin typeface="Times New Roman" charset="0"/>
-                <a:ea typeface="Times New Roman" charset="0"/>
-                <a:cs typeface="Times New Roman" charset="0"/>
-              </a:rPr>
-              <a:t> framework </a:t>
-            </a:r>
-            <a:r>
-              <a:rPr lang="en-US" altLang="zh-CN" b="1" dirty="0" err="1" smtClean="0">
-                <a:latin typeface="Times New Roman" charset="0"/>
-                <a:ea typeface="Times New Roman" charset="0"/>
-                <a:cs typeface="Times New Roman" charset="0"/>
-              </a:rPr>
-              <a:t>của</a:t>
-            </a:r>
-            <a:r>
-              <a:rPr lang="en-US" altLang="zh-CN" b="1" dirty="0" smtClean="0">
-                <a:latin typeface="Times New Roman" charset="0"/>
-                <a:ea typeface="Times New Roman" charset="0"/>
-                <a:cs typeface="Times New Roman" charset="0"/>
-              </a:rPr>
-              <a:t> iOS, Google.</a:t>
+              <a:t>Speech</a:t>
             </a:r>
           </a:p>
           <a:p>
@@ -5385,135 +5593,7 @@
                 <a:ea typeface="Times New Roman" charset="0"/>
                 <a:cs typeface="Times New Roman" charset="0"/>
               </a:rPr>
-              <a:t>Nắm</a:t>
-            </a:r>
-            <a:r>
-              <a:rPr lang="en-US" altLang="zh-CN" b="1" dirty="0" smtClean="0">
-                <a:latin typeface="Times New Roman" charset="0"/>
-                <a:ea typeface="Times New Roman" charset="0"/>
-                <a:cs typeface="Times New Roman" charset="0"/>
-              </a:rPr>
-              <a:t> </a:t>
-            </a:r>
-            <a:r>
-              <a:rPr lang="en-US" altLang="zh-CN" b="1" dirty="0" err="1" smtClean="0">
-                <a:latin typeface="Times New Roman" charset="0"/>
-                <a:ea typeface="Times New Roman" charset="0"/>
-                <a:cs typeface="Times New Roman" charset="0"/>
-              </a:rPr>
-              <a:t>được</a:t>
-            </a:r>
-            <a:r>
-              <a:rPr lang="en-US" altLang="zh-CN" b="1" dirty="0" smtClean="0">
-                <a:latin typeface="Times New Roman" charset="0"/>
-                <a:ea typeface="Times New Roman" charset="0"/>
-                <a:cs typeface="Times New Roman" charset="0"/>
-              </a:rPr>
-              <a:t> </a:t>
-            </a:r>
-            <a:r>
-              <a:rPr lang="en-US" altLang="zh-CN" b="1" dirty="0" err="1" smtClean="0">
-                <a:latin typeface="Times New Roman" charset="0"/>
-                <a:ea typeface="Times New Roman" charset="0"/>
-                <a:cs typeface="Times New Roman" charset="0"/>
-              </a:rPr>
-              <a:t>quy</a:t>
-            </a:r>
-            <a:r>
-              <a:rPr lang="en-US" altLang="zh-CN" b="1" dirty="0" smtClean="0">
-                <a:latin typeface="Times New Roman" charset="0"/>
-                <a:ea typeface="Times New Roman" charset="0"/>
-                <a:cs typeface="Times New Roman" charset="0"/>
-              </a:rPr>
-              <a:t> </a:t>
-            </a:r>
-            <a:r>
-              <a:rPr lang="en-US" altLang="zh-CN" b="1" dirty="0" err="1" smtClean="0">
-                <a:latin typeface="Times New Roman" charset="0"/>
-                <a:ea typeface="Times New Roman" charset="0"/>
-                <a:cs typeface="Times New Roman" charset="0"/>
-              </a:rPr>
-              <a:t>trình</a:t>
-            </a:r>
-            <a:r>
-              <a:rPr lang="en-US" altLang="zh-CN" b="1" dirty="0" smtClean="0">
-                <a:latin typeface="Times New Roman" charset="0"/>
-                <a:ea typeface="Times New Roman" charset="0"/>
-                <a:cs typeface="Times New Roman" charset="0"/>
-              </a:rPr>
-              <a:t> </a:t>
-            </a:r>
-            <a:r>
-              <a:rPr lang="en-US" altLang="zh-CN" b="1" dirty="0" err="1" smtClean="0">
-                <a:latin typeface="Times New Roman" charset="0"/>
-                <a:ea typeface="Times New Roman" charset="0"/>
-                <a:cs typeface="Times New Roman" charset="0"/>
-              </a:rPr>
-              <a:t>phát</a:t>
-            </a:r>
-            <a:r>
-              <a:rPr lang="en-US" altLang="zh-CN" b="1" dirty="0" smtClean="0">
-                <a:latin typeface="Times New Roman" charset="0"/>
-                <a:ea typeface="Times New Roman" charset="0"/>
-                <a:cs typeface="Times New Roman" charset="0"/>
-              </a:rPr>
-              <a:t> </a:t>
-            </a:r>
-            <a:r>
-              <a:rPr lang="en-US" altLang="zh-CN" b="1" dirty="0" err="1" smtClean="0">
-                <a:latin typeface="Times New Roman" charset="0"/>
-                <a:ea typeface="Times New Roman" charset="0"/>
-                <a:cs typeface="Times New Roman" charset="0"/>
-              </a:rPr>
-              <a:t>triển</a:t>
-            </a:r>
-            <a:r>
-              <a:rPr lang="en-US" altLang="zh-CN" b="1" dirty="0" smtClean="0">
-                <a:latin typeface="Times New Roman" charset="0"/>
-                <a:ea typeface="Times New Roman" charset="0"/>
-                <a:cs typeface="Times New Roman" charset="0"/>
-              </a:rPr>
-              <a:t> </a:t>
-            </a:r>
-            <a:r>
-              <a:rPr lang="en-US" altLang="zh-CN" b="1" dirty="0" err="1" smtClean="0">
-                <a:latin typeface="Times New Roman" charset="0"/>
-                <a:ea typeface="Times New Roman" charset="0"/>
-                <a:cs typeface="Times New Roman" charset="0"/>
-              </a:rPr>
-              <a:t>một</a:t>
-            </a:r>
-            <a:r>
-              <a:rPr lang="en-US" altLang="zh-CN" b="1" dirty="0" smtClean="0">
-                <a:latin typeface="Times New Roman" charset="0"/>
-                <a:ea typeface="Times New Roman" charset="0"/>
-                <a:cs typeface="Times New Roman" charset="0"/>
-              </a:rPr>
-              <a:t> </a:t>
-            </a:r>
-            <a:r>
-              <a:rPr lang="en-US" altLang="zh-CN" b="1" dirty="0" err="1" smtClean="0">
-                <a:latin typeface="Times New Roman" charset="0"/>
-                <a:ea typeface="Times New Roman" charset="0"/>
-                <a:cs typeface="Times New Roman" charset="0"/>
-              </a:rPr>
-              <a:t>ứng</a:t>
-            </a:r>
-            <a:r>
-              <a:rPr lang="en-US" altLang="zh-CN" b="1" dirty="0" smtClean="0">
-                <a:latin typeface="Times New Roman" charset="0"/>
-                <a:ea typeface="Times New Roman" charset="0"/>
-                <a:cs typeface="Times New Roman" charset="0"/>
-              </a:rPr>
-              <a:t> </a:t>
-            </a:r>
-            <a:r>
-              <a:rPr lang="en-US" altLang="zh-CN" b="1" dirty="0" err="1" smtClean="0">
-                <a:latin typeface="Times New Roman" charset="0"/>
-                <a:ea typeface="Times New Roman" charset="0"/>
-                <a:cs typeface="Times New Roman" charset="0"/>
-              </a:rPr>
-              <a:t>dụng</a:t>
+              <a:t>AVFoundation</a:t>
             </a:r>
             <a:endParaRPr lang="en-US" altLang="zh-CN" b="1" dirty="0">
               <a:latin typeface="Times New Roman" charset="0"/>
@@ -5538,231 +5618,32 @@
                 <a:ea typeface="Times New Roman" charset="0"/>
                 <a:cs typeface="Times New Roman" charset="0"/>
               </a:rPr>
-              <a:t>Tuy</a:t>
-            </a:r>
+              <a:t>ApiAI</a:t>
+            </a:r>
+            <a:endParaRPr lang="en-US" altLang="zh-CN" b="1" dirty="0" smtClean="0">
+              <a:latin typeface="Times New Roman" charset="0"/>
+              <a:ea typeface="Times New Roman" charset="0"/>
+              <a:cs typeface="Times New Roman" charset="0"/>
+            </a:endParaRPr>
+          </a:p>
+          <a:p>
+            <a:pPr marL="285750" indent="-285750">
+              <a:lnSpc>
+                <a:spcPct val="200000"/>
+              </a:lnSpc>
+              <a:spcBef>
+                <a:spcPts val="1200"/>
+              </a:spcBef>
+              <a:buFont typeface="Arial" charset="0"/>
+              <a:buChar char="•"/>
+            </a:pPr>
             <a:r>
               <a:rPr lang="en-US" altLang="zh-CN" b="1" dirty="0" smtClean="0">
                 <a:latin typeface="Times New Roman" charset="0"/>
                 <a:ea typeface="Times New Roman" charset="0"/>
                 <a:cs typeface="Times New Roman" charset="0"/>
               </a:rPr>
-              <a:t> </a:t>
-            </a:r>
-            <a:r>
-              <a:rPr lang="en-US" altLang="zh-CN" b="1" dirty="0" err="1" smtClean="0">
-                <a:latin typeface="Times New Roman" charset="0"/>
-                <a:ea typeface="Times New Roman" charset="0"/>
-                <a:cs typeface="Times New Roman" charset="0"/>
-              </a:rPr>
-              <a:t>nhiên</a:t>
-            </a:r>
-            <a:r>
-              <a:rPr lang="en-US" altLang="zh-CN" b="1" dirty="0" smtClean="0">
-                <a:latin typeface="Times New Roman" charset="0"/>
-                <a:ea typeface="Times New Roman" charset="0"/>
-                <a:cs typeface="Times New Roman" charset="0"/>
-              </a:rPr>
-              <a:t> </a:t>
-            </a:r>
-            <a:r>
-              <a:rPr lang="en-US" altLang="zh-CN" b="1" dirty="0" err="1" smtClean="0">
-                <a:latin typeface="Times New Roman" charset="0"/>
-                <a:ea typeface="Times New Roman" charset="0"/>
-                <a:cs typeface="Times New Roman" charset="0"/>
-              </a:rPr>
-              <a:t>ứng</a:t>
-            </a:r>
-            <a:r>
-              <a:rPr lang="en-US" altLang="zh-CN" b="1" dirty="0" smtClean="0">
-                <a:latin typeface="Times New Roman" charset="0"/>
-                <a:ea typeface="Times New Roman" charset="0"/>
-                <a:cs typeface="Times New Roman" charset="0"/>
-              </a:rPr>
-              <a:t> </a:t>
-            </a:r>
-            <a:r>
-              <a:rPr lang="en-US" altLang="zh-CN" b="1" dirty="0" err="1" smtClean="0">
-                <a:latin typeface="Times New Roman" charset="0"/>
-                <a:ea typeface="Times New Roman" charset="0"/>
-                <a:cs typeface="Times New Roman" charset="0"/>
-              </a:rPr>
-              <a:t>dụng</a:t>
-            </a:r>
-            <a:r>
-              <a:rPr lang="en-US" altLang="zh-CN" b="1" dirty="0" smtClean="0">
-                <a:latin typeface="Times New Roman" charset="0"/>
-                <a:ea typeface="Times New Roman" charset="0"/>
-                <a:cs typeface="Times New Roman" charset="0"/>
-              </a:rPr>
-              <a:t> </a:t>
-            </a:r>
-            <a:r>
-              <a:rPr lang="en-US" altLang="zh-CN" b="1" dirty="0" err="1" smtClean="0">
-                <a:latin typeface="Times New Roman" charset="0"/>
-                <a:ea typeface="Times New Roman" charset="0"/>
-                <a:cs typeface="Times New Roman" charset="0"/>
-              </a:rPr>
-              <a:t>vẫn</a:t>
-            </a:r>
-            <a:r>
-              <a:rPr lang="en-US" altLang="zh-CN" b="1" dirty="0" smtClean="0">
-                <a:latin typeface="Times New Roman" charset="0"/>
-                <a:ea typeface="Times New Roman" charset="0"/>
-                <a:cs typeface="Times New Roman" charset="0"/>
-              </a:rPr>
-              <a:t> </a:t>
-            </a:r>
-            <a:r>
-              <a:rPr lang="en-US" altLang="zh-CN" b="1" dirty="0" err="1" smtClean="0">
-                <a:latin typeface="Times New Roman" charset="0"/>
-                <a:ea typeface="Times New Roman" charset="0"/>
-                <a:cs typeface="Times New Roman" charset="0"/>
-              </a:rPr>
-              <a:t>còn</a:t>
-            </a:r>
-            <a:r>
-              <a:rPr lang="en-US" altLang="zh-CN" b="1" dirty="0" smtClean="0">
-                <a:latin typeface="Times New Roman" charset="0"/>
-                <a:ea typeface="Times New Roman" charset="0"/>
-                <a:cs typeface="Times New Roman" charset="0"/>
-              </a:rPr>
-              <a:t> </a:t>
-            </a:r>
-            <a:r>
-              <a:rPr lang="en-US" altLang="zh-CN" b="1" dirty="0" err="1" smtClean="0">
-                <a:latin typeface="Times New Roman" charset="0"/>
-                <a:ea typeface="Times New Roman" charset="0"/>
-                <a:cs typeface="Times New Roman" charset="0"/>
-              </a:rPr>
-              <a:t>một</a:t>
-            </a:r>
-            <a:r>
-              <a:rPr lang="en-US" altLang="zh-CN" b="1" dirty="0" smtClean="0">
-                <a:latin typeface="Times New Roman" charset="0"/>
-                <a:ea typeface="Times New Roman" charset="0"/>
-                <a:cs typeface="Times New Roman" charset="0"/>
-              </a:rPr>
-              <a:t> </a:t>
-            </a:r>
-            <a:r>
-              <a:rPr lang="en-US" altLang="zh-CN" b="1" dirty="0" err="1" smtClean="0">
-                <a:latin typeface="Times New Roman" charset="0"/>
-                <a:ea typeface="Times New Roman" charset="0"/>
-                <a:cs typeface="Times New Roman" charset="0"/>
-              </a:rPr>
-              <a:t>số</a:t>
-            </a:r>
-            <a:r>
-              <a:rPr lang="en-US" altLang="zh-CN" b="1" dirty="0" smtClean="0">
-                <a:latin typeface="Times New Roman" charset="0"/>
-                <a:ea typeface="Times New Roman" charset="0"/>
-                <a:cs typeface="Times New Roman" charset="0"/>
-              </a:rPr>
-              <a:t> </a:t>
-            </a:r>
-            <a:r>
-              <a:rPr lang="en-US" altLang="zh-CN" b="1" dirty="0" err="1" smtClean="0">
-                <a:latin typeface="Times New Roman" charset="0"/>
-                <a:ea typeface="Times New Roman" charset="0"/>
-                <a:cs typeface="Times New Roman" charset="0"/>
-              </a:rPr>
-              <a:t>hạn</a:t>
-            </a:r>
-            <a:r>
-              <a:rPr lang="en-US" altLang="zh-CN" b="1" dirty="0" smtClean="0">
-                <a:latin typeface="Times New Roman" charset="0"/>
-                <a:ea typeface="Times New Roman" charset="0"/>
-                <a:cs typeface="Times New Roman" charset="0"/>
-              </a:rPr>
-              <a:t> </a:t>
-            </a:r>
-            <a:r>
-              <a:rPr lang="en-US" altLang="zh-CN" b="1" dirty="0" err="1" smtClean="0">
-                <a:latin typeface="Times New Roman" charset="0"/>
-                <a:ea typeface="Times New Roman" charset="0"/>
-                <a:cs typeface="Times New Roman" charset="0"/>
-              </a:rPr>
-              <a:t>chế</a:t>
-            </a:r>
-            <a:r>
-              <a:rPr lang="en-US" altLang="zh-CN" b="1" dirty="0" smtClean="0">
-                <a:latin typeface="Times New Roman" charset="0"/>
-                <a:ea typeface="Times New Roman" charset="0"/>
-                <a:cs typeface="Times New Roman" charset="0"/>
-              </a:rPr>
-              <a:t> </a:t>
-            </a:r>
-            <a:r>
-              <a:rPr lang="en-US" altLang="zh-CN" b="1" dirty="0" err="1" smtClean="0">
-                <a:latin typeface="Times New Roman" charset="0"/>
-                <a:ea typeface="Times New Roman" charset="0"/>
-                <a:cs typeface="Times New Roman" charset="0"/>
-              </a:rPr>
-              <a:t>về</a:t>
-            </a:r>
-            <a:r>
-              <a:rPr lang="en-US" altLang="zh-CN" b="1" dirty="0" smtClean="0">
-                <a:latin typeface="Times New Roman" charset="0"/>
-                <a:ea typeface="Times New Roman" charset="0"/>
-                <a:cs typeface="Times New Roman" charset="0"/>
-              </a:rPr>
-              <a:t> </a:t>
-            </a:r>
-            <a:r>
-              <a:rPr lang="en-US" altLang="zh-CN" b="1" dirty="0" err="1" smtClean="0">
-                <a:latin typeface="Times New Roman" charset="0"/>
-                <a:ea typeface="Times New Roman" charset="0"/>
-                <a:cs typeface="Times New Roman" charset="0"/>
-              </a:rPr>
-              <a:t>giao</a:t>
-            </a:r>
-            <a:r>
-              <a:rPr lang="en-US" altLang="zh-CN" b="1" dirty="0" smtClean="0">
-                <a:latin typeface="Times New Roman" charset="0"/>
-                <a:ea typeface="Times New Roman" charset="0"/>
-                <a:cs typeface="Times New Roman" charset="0"/>
-              </a:rPr>
-              <a:t> </a:t>
-            </a:r>
-            <a:r>
-              <a:rPr lang="en-US" altLang="zh-CN" b="1" dirty="0" err="1" smtClean="0">
-                <a:latin typeface="Times New Roman" charset="0"/>
-                <a:ea typeface="Times New Roman" charset="0"/>
-                <a:cs typeface="Times New Roman" charset="0"/>
-              </a:rPr>
-              <a:t>diện</a:t>
-            </a:r>
-            <a:r>
-              <a:rPr lang="en-US" altLang="zh-CN" b="1" dirty="0" smtClean="0">
-                <a:latin typeface="Times New Roman" charset="0"/>
-                <a:ea typeface="Times New Roman" charset="0"/>
-                <a:cs typeface="Times New Roman" charset="0"/>
-              </a:rPr>
-              <a:t>, </a:t>
-            </a:r>
-            <a:r>
-              <a:rPr lang="en-US" altLang="zh-CN" b="1" dirty="0" err="1" smtClean="0">
-                <a:latin typeface="Times New Roman" charset="0"/>
-                <a:ea typeface="Times New Roman" charset="0"/>
-                <a:cs typeface="Times New Roman" charset="0"/>
-              </a:rPr>
-              <a:t>dữ</a:t>
-            </a:r>
-            <a:r>
-              <a:rPr lang="en-US" altLang="zh-CN" b="1" dirty="0" smtClean="0">
-                <a:latin typeface="Times New Roman" charset="0"/>
-                <a:ea typeface="Times New Roman" charset="0"/>
-                <a:cs typeface="Times New Roman" charset="0"/>
-              </a:rPr>
-              <a:t> </a:t>
-            </a:r>
-            <a:r>
-              <a:rPr lang="en-US" altLang="zh-CN" b="1" dirty="0" err="1" smtClean="0">
-                <a:latin typeface="Times New Roman" charset="0"/>
-                <a:ea typeface="Times New Roman" charset="0"/>
-                <a:cs typeface="Times New Roman" charset="0"/>
-              </a:rPr>
-              <a:t>liệu</a:t>
+              <a:t>SQLite</a:t>
             </a:r>
             <a:endParaRPr lang="zh-CN" altLang="en-US" b="1" dirty="0">
               <a:latin typeface="Times New Roman" charset="0"/>
@@ -5805,7 +5686,7 @@
     </p:spTree>
     <p:extLst>
       <p:ext uri="{BB962C8B-B14F-4D97-AF65-F5344CB8AC3E}">
-        <p14:creationId xmlns:p14="http://schemas.microsoft.com/office/powerpoint/2010/main" val="2000736821"/>
+        <p14:creationId xmlns:p14="http://schemas.microsoft.com/office/powerpoint/2010/main" val="1178584068"/>
       </p:ext>
     </p:extLst>
   </p:cSld>
@@ -6256,6 +6137,1749 @@
                   <a:ea typeface="Times New Roman" charset="0"/>
                   <a:cs typeface="Times New Roman" charset="0"/>
                 </a:rPr>
+                <a:t>DEMO</a:t>
+              </a:r>
+              <a:endParaRPr lang="zh-CN" altLang="en-US" b="1" dirty="0">
+                <a:latin typeface="Times New Roman" charset="0"/>
+                <a:ea typeface="Times New Roman" charset="0"/>
+                <a:cs typeface="Times New Roman" charset="0"/>
+              </a:endParaRPr>
+            </a:p>
+          </p:txBody>
+        </p:sp>
+      </p:grpSp>
+      <p:pic>
+        <p:nvPicPr>
+          <p:cNvPr id="23" name="Picture 22">
+            <a:extLst>
+              <a:ext uri="{FF2B5EF4-FFF2-40B4-BE49-F238E27FC236}">
+                <a16:creationId xmlns:a16="http://schemas.microsoft.com/office/drawing/2014/main" xmlns="" id="{7C9B4CD5-0A1D-5A4D-9B48-CC637B8B4666}"/>
+              </a:ext>
+            </a:extLst>
+          </p:cNvPr>
+          <p:cNvPicPr>
+            <a:picLocks noChangeAspect="1"/>
+          </p:cNvPicPr>
+          <p:nvPr/>
+        </p:nvPicPr>
+        <p:blipFill>
+          <a:blip r:embed="rId3"/>
+          <a:stretch>
+            <a:fillRect/>
+          </a:stretch>
+        </p:blipFill>
+        <p:spPr>
+          <a:xfrm>
+            <a:off x="221784" y="172315"/>
+            <a:ext cx="619528" cy="815168"/>
+          </a:xfrm>
+          <a:prstGeom prst="rect">
+            <a:avLst/>
+          </a:prstGeom>
+        </p:spPr>
+      </p:pic>
+    </p:spTree>
+    <p:extLst>
+      <p:ext uri="{BB962C8B-B14F-4D97-AF65-F5344CB8AC3E}">
+        <p14:creationId xmlns:p14="http://schemas.microsoft.com/office/powerpoint/2010/main" val="1449651775"/>
+      </p:ext>
+    </p:extLst>
+  </p:cSld>
+  <p:clrMapOvr>
+    <a:masterClrMapping/>
+  </p:clrMapOvr>
+  <p:timing>
+    <p:tnLst>
+      <p:par>
+        <p:cTn id="1" dur="indefinite" restart="never" nodeType="tmRoot"/>
+      </p:par>
+    </p:tnLst>
+  </p:timing>
+</p:sld>
+</file>
+
+<file path=ppt/slides/slide12.xml><?xml version="1.0" encoding="utf-8"?>
+<p:sld xmlns:a="http://schemas.openxmlformats.org/drawingml/2006/main" xmlns:r="http://schemas.openxmlformats.org/officeDocument/2006/relationships" xmlns:p="http://schemas.openxmlformats.org/presentationml/2006/main">
+  <p:cSld>
+    <p:spTree>
+      <p:nvGrpSpPr>
+        <p:cNvPr id="1" name=""/>
+        <p:cNvGrpSpPr/>
+        <p:nvPr/>
+      </p:nvGrpSpPr>
+      <p:grpSpPr>
+        <a:xfrm>
+          <a:off x="0" y="0"/>
+          <a:ext cx="0" cy="0"/>
+          <a:chOff x="0" y="0"/>
+          <a:chExt cx="0" cy="0"/>
+        </a:xfrm>
+      </p:grpSpPr>
+      <p:pic>
+        <p:nvPicPr>
+          <p:cNvPr id="4" name="Picture 3"/>
+          <p:cNvPicPr>
+            <a:picLocks noChangeAspect="1"/>
+          </p:cNvPicPr>
+          <p:nvPr/>
+        </p:nvPicPr>
+        <p:blipFill>
+          <a:blip r:embed="rId2"/>
+          <a:stretch>
+            <a:fillRect/>
+          </a:stretch>
+        </p:blipFill>
+        <p:spPr>
+          <a:xfrm>
+            <a:off x="2337099" y="0"/>
+            <a:ext cx="4279900" cy="859777"/>
+          </a:xfrm>
+          <a:prstGeom prst="rect">
+            <a:avLst/>
+          </a:prstGeom>
+        </p:spPr>
+      </p:pic>
+      <p:grpSp>
+        <p:nvGrpSpPr>
+          <p:cNvPr id="16" name="组合 2"/>
+          <p:cNvGrpSpPr/>
+          <p:nvPr/>
+        </p:nvGrpSpPr>
+        <p:grpSpPr>
+          <a:xfrm>
+            <a:off x="1867331" y="119742"/>
+            <a:ext cx="5874281" cy="1017930"/>
+            <a:chOff x="1802016" y="1161680"/>
+            <a:chExt cx="5874281" cy="1017930"/>
+          </a:xfrm>
+        </p:grpSpPr>
+        <p:sp>
+          <p:nvSpPr>
+            <p:cNvPr id="18" name="矩形 16"/>
+            <p:cNvSpPr/>
+            <p:nvPr/>
+          </p:nvSpPr>
+          <p:spPr>
+            <a:xfrm>
+              <a:off x="1920285" y="1367482"/>
+              <a:ext cx="5607005" cy="597558"/>
+            </a:xfrm>
+            <a:prstGeom prst="rect">
+              <a:avLst/>
+            </a:prstGeom>
+            <a:solidFill>
+              <a:schemeClr val="bg1"/>
+            </a:solidFill>
+            <a:ln>
+              <a:noFill/>
+            </a:ln>
+            <a:effectLst>
+              <a:outerShdw blurRad="50800" dist="38100" dir="5400000" algn="t" rotWithShape="0">
+                <a:prstClr val="black">
+                  <a:alpha val="30000"/>
+                </a:prstClr>
+              </a:outerShdw>
+            </a:effectLst>
+          </p:spPr>
+          <p:style>
+            <a:lnRef idx="2">
+              <a:schemeClr val="accent1">
+                <a:shade val="50000"/>
+              </a:schemeClr>
+            </a:lnRef>
+            <a:fillRef idx="1">
+              <a:schemeClr val="accent1"/>
+            </a:fillRef>
+            <a:effectRef idx="0">
+              <a:schemeClr val="accent1"/>
+            </a:effectRef>
+            <a:fontRef idx="minor">
+              <a:schemeClr val="lt1"/>
+            </a:fontRef>
+          </p:style>
+          <p:txBody>
+            <a:bodyPr rtlCol="0" anchor="ctr"/>
+            <a:lstStyle/>
+            <a:p>
+              <a:pPr algn="ctr"/>
+              <a:endParaRPr lang="zh-CN" altLang="en-US"/>
+            </a:p>
+          </p:txBody>
+        </p:sp>
+        <p:grpSp>
+          <p:nvGrpSpPr>
+            <p:cNvPr id="19" name="组合 26"/>
+            <p:cNvGrpSpPr/>
+            <p:nvPr/>
+          </p:nvGrpSpPr>
+          <p:grpSpPr>
+            <a:xfrm>
+              <a:off x="1802016" y="1161680"/>
+              <a:ext cx="377846" cy="772790"/>
+              <a:chOff x="636560" y="1153442"/>
+              <a:chExt cx="377846" cy="772790"/>
+            </a:xfrm>
+          </p:grpSpPr>
+          <p:sp useBgFill="1">
+            <p:nvSpPr>
+              <p:cNvPr id="31" name="矩形 21"/>
+              <p:cNvSpPr/>
+              <p:nvPr/>
+            </p:nvSpPr>
+            <p:spPr>
+              <a:xfrm rot="18820385">
+                <a:off x="547529" y="1242473"/>
+                <a:ext cx="555908" cy="377846"/>
+              </a:xfrm>
+              <a:prstGeom prst="rect">
+                <a:avLst/>
+              </a:prstGeom>
+              <a:ln>
+                <a:noFill/>
+              </a:ln>
+              <a:effectLst/>
+            </p:spPr>
+            <p:style>
+              <a:lnRef idx="2">
+                <a:schemeClr val="accent1">
+                  <a:shade val="50000"/>
+                </a:schemeClr>
+              </a:lnRef>
+              <a:fillRef idx="1">
+                <a:schemeClr val="accent1"/>
+              </a:fillRef>
+              <a:effectRef idx="0">
+                <a:schemeClr val="accent1"/>
+              </a:effectRef>
+              <a:fontRef idx="minor">
+                <a:schemeClr val="lt1"/>
+              </a:fontRef>
+            </p:style>
+            <p:txBody>
+              <a:bodyPr rtlCol="0" anchor="ctr"/>
+              <a:lstStyle/>
+              <a:p>
+                <a:pPr algn="ctr"/>
+                <a:endParaRPr lang="zh-CN" altLang="en-US"/>
+              </a:p>
+            </p:txBody>
+          </p:sp>
+          <p:sp useBgFill="1">
+            <p:nvSpPr>
+              <p:cNvPr id="32" name="矩形 20"/>
+              <p:cNvSpPr/>
+              <p:nvPr/>
+            </p:nvSpPr>
+            <p:spPr>
+              <a:xfrm rot="18722618" flipV="1">
+                <a:off x="543901" y="1493178"/>
+                <a:ext cx="760969" cy="105139"/>
+              </a:xfrm>
+              <a:prstGeom prst="rect">
+                <a:avLst/>
+              </a:prstGeom>
+              <a:ln>
+                <a:noFill/>
+              </a:ln>
+              <a:effectLst>
+                <a:outerShdw blurRad="50800" dist="38100" dir="2700000" algn="tl" rotWithShape="0">
+                  <a:prstClr val="black">
+                    <a:alpha val="30000"/>
+                  </a:prstClr>
+                </a:outerShdw>
+              </a:effectLst>
+            </p:spPr>
+            <p:style>
+              <a:lnRef idx="2">
+                <a:schemeClr val="accent1">
+                  <a:shade val="50000"/>
+                </a:schemeClr>
+              </a:lnRef>
+              <a:fillRef idx="1">
+                <a:schemeClr val="accent1"/>
+              </a:fillRef>
+              <a:effectRef idx="0">
+                <a:schemeClr val="accent1"/>
+              </a:effectRef>
+              <a:fontRef idx="minor">
+                <a:schemeClr val="lt1"/>
+              </a:fontRef>
+            </p:style>
+            <p:txBody>
+              <a:bodyPr rtlCol="0" anchor="ctr"/>
+              <a:lstStyle/>
+              <a:p>
+                <a:pPr algn="ctr"/>
+                <a:endParaRPr lang="zh-CN" altLang="en-US"/>
+              </a:p>
+            </p:txBody>
+          </p:sp>
+        </p:grpSp>
+        <p:grpSp>
+          <p:nvGrpSpPr>
+            <p:cNvPr id="20" name="组合 25"/>
+            <p:cNvGrpSpPr/>
+            <p:nvPr/>
+          </p:nvGrpSpPr>
+          <p:grpSpPr>
+            <a:xfrm>
+              <a:off x="7298451" y="1405913"/>
+              <a:ext cx="377846" cy="773697"/>
+              <a:chOff x="3474496" y="1598656"/>
+              <a:chExt cx="377846" cy="773697"/>
+            </a:xfrm>
+          </p:grpSpPr>
+          <p:sp useBgFill="1">
+            <p:nvSpPr>
+              <p:cNvPr id="29" name="矩形 22"/>
+              <p:cNvSpPr/>
+              <p:nvPr/>
+            </p:nvSpPr>
+            <p:spPr>
+              <a:xfrm rot="18820385">
+                <a:off x="3385465" y="1905476"/>
+                <a:ext cx="555908" cy="377846"/>
+              </a:xfrm>
+              <a:prstGeom prst="rect">
+                <a:avLst/>
+              </a:prstGeom>
+              <a:ln>
+                <a:noFill/>
+              </a:ln>
+              <a:effectLst/>
+            </p:spPr>
+            <p:style>
+              <a:lnRef idx="2">
+                <a:schemeClr val="accent1">
+                  <a:shade val="50000"/>
+                </a:schemeClr>
+              </a:lnRef>
+              <a:fillRef idx="1">
+                <a:schemeClr val="accent1"/>
+              </a:fillRef>
+              <a:effectRef idx="0">
+                <a:schemeClr val="accent1"/>
+              </a:effectRef>
+              <a:fontRef idx="minor">
+                <a:schemeClr val="lt1"/>
+              </a:fontRef>
+            </p:style>
+            <p:txBody>
+              <a:bodyPr rtlCol="0" anchor="ctr"/>
+              <a:lstStyle/>
+              <a:p>
+                <a:pPr algn="ctr"/>
+                <a:endParaRPr lang="zh-CN" altLang="en-US"/>
+              </a:p>
+            </p:txBody>
+          </p:sp>
+          <p:sp useBgFill="1">
+            <p:nvSpPr>
+              <p:cNvPr id="30" name="矩形 23"/>
+              <p:cNvSpPr/>
+              <p:nvPr/>
+            </p:nvSpPr>
+            <p:spPr>
+              <a:xfrm rot="18722618" flipV="1">
+                <a:off x="3153806" y="1926571"/>
+                <a:ext cx="760969" cy="105139"/>
+              </a:xfrm>
+              <a:prstGeom prst="rect">
+                <a:avLst/>
+              </a:prstGeom>
+              <a:ln>
+                <a:noFill/>
+              </a:ln>
+              <a:effectLst>
+                <a:outerShdw blurRad="50800" dist="38100" dir="13500000" algn="br" rotWithShape="0">
+                  <a:prstClr val="black">
+                    <a:alpha val="30000"/>
+                  </a:prstClr>
+                </a:outerShdw>
+              </a:effectLst>
+            </p:spPr>
+            <p:style>
+              <a:lnRef idx="2">
+                <a:schemeClr val="accent1">
+                  <a:shade val="50000"/>
+                </a:schemeClr>
+              </a:lnRef>
+              <a:fillRef idx="1">
+                <a:schemeClr val="accent1"/>
+              </a:fillRef>
+              <a:effectRef idx="0">
+                <a:schemeClr val="accent1"/>
+              </a:effectRef>
+              <a:fontRef idx="minor">
+                <a:schemeClr val="lt1"/>
+              </a:fontRef>
+            </p:style>
+            <p:txBody>
+              <a:bodyPr rtlCol="0" anchor="ctr"/>
+              <a:lstStyle/>
+              <a:p>
+                <a:pPr algn="ctr"/>
+                <a:endParaRPr lang="zh-CN" altLang="en-US"/>
+              </a:p>
+            </p:txBody>
+          </p:sp>
+        </p:grpSp>
+        <p:sp>
+          <p:nvSpPr>
+            <p:cNvPr id="28" name="文本框 24"/>
+            <p:cNvSpPr txBox="1"/>
+            <p:nvPr/>
+          </p:nvSpPr>
+          <p:spPr>
+            <a:xfrm>
+              <a:off x="2319526" y="1481595"/>
+              <a:ext cx="4839262" cy="369332"/>
+            </a:xfrm>
+            <a:prstGeom prst="rect">
+              <a:avLst/>
+            </a:prstGeom>
+            <a:noFill/>
+          </p:spPr>
+          <p:txBody>
+            <a:bodyPr wrap="square" rtlCol="0">
+              <a:spAutoFit/>
+            </a:bodyPr>
+            <a:lstStyle/>
+            <a:p>
+              <a:pPr algn="ctr"/>
+              <a:r>
+                <a:rPr lang="en-US" altLang="zh-CN" b="1" dirty="0" smtClean="0">
+                  <a:latin typeface="Times New Roman" charset="0"/>
+                  <a:ea typeface="Times New Roman" charset="0"/>
+                  <a:cs typeface="Times New Roman" charset="0"/>
+                </a:rPr>
+                <a:t>KẾT LUẬN</a:t>
+              </a:r>
+              <a:endParaRPr lang="zh-CN" altLang="en-US" b="1" dirty="0">
+                <a:latin typeface="Times New Roman" charset="0"/>
+                <a:ea typeface="Times New Roman" charset="0"/>
+                <a:cs typeface="Times New Roman" charset="0"/>
+              </a:endParaRPr>
+            </a:p>
+          </p:txBody>
+        </p:sp>
+      </p:grpSp>
+      <p:sp>
+        <p:nvSpPr>
+          <p:cNvPr id="14" name="矩形 4"/>
+          <p:cNvSpPr/>
+          <p:nvPr/>
+        </p:nvSpPr>
+        <p:spPr>
+          <a:xfrm>
+            <a:off x="457191" y="1612852"/>
+            <a:ext cx="8501747" cy="4396064"/>
+          </a:xfrm>
+          <a:prstGeom prst="rect">
+            <a:avLst/>
+          </a:prstGeom>
+          <a:solidFill>
+            <a:schemeClr val="bg1"/>
+          </a:solidFill>
+          <a:ln>
+            <a:noFill/>
+          </a:ln>
+          <a:effectLst>
+            <a:outerShdw blurRad="50800" dist="25400" dir="5400000" algn="t" rotWithShape="0">
+              <a:prstClr val="black">
+                <a:alpha val="40000"/>
+              </a:prstClr>
+            </a:outerShdw>
+          </a:effectLst>
+        </p:spPr>
+        <p:style>
+          <a:lnRef idx="2">
+            <a:schemeClr val="accent1">
+              <a:shade val="50000"/>
+            </a:schemeClr>
+          </a:lnRef>
+          <a:fillRef idx="1">
+            <a:schemeClr val="accent1"/>
+          </a:fillRef>
+          <a:effectRef idx="0">
+            <a:schemeClr val="accent1"/>
+          </a:effectRef>
+          <a:fontRef idx="minor">
+            <a:schemeClr val="lt1"/>
+          </a:fontRef>
+        </p:style>
+        <p:txBody>
+          <a:bodyPr rtlCol="0" anchor="ctr"/>
+          <a:lstStyle/>
+          <a:p>
+            <a:pPr algn="ctr">
+              <a:spcBef>
+                <a:spcPts val="1200"/>
+              </a:spcBef>
+            </a:pPr>
+            <a:endParaRPr lang="zh-CN" altLang="en-US"/>
+          </a:p>
+        </p:txBody>
+      </p:sp>
+      <p:sp useBgFill="1">
+        <p:nvSpPr>
+          <p:cNvPr id="17" name="矩形 7"/>
+          <p:cNvSpPr/>
+          <p:nvPr/>
+        </p:nvSpPr>
+        <p:spPr>
+          <a:xfrm flipH="1">
+            <a:off x="397321" y="1376023"/>
+            <a:ext cx="59870" cy="4828836"/>
+          </a:xfrm>
+          <a:prstGeom prst="rect">
+            <a:avLst/>
+          </a:prstGeom>
+          <a:ln>
+            <a:noFill/>
+          </a:ln>
+          <a:effectLst>
+            <a:outerShdw blurRad="50800" dist="38100" algn="l" rotWithShape="0">
+              <a:prstClr val="black">
+                <a:alpha val="40000"/>
+              </a:prstClr>
+            </a:outerShdw>
+          </a:effectLst>
+        </p:spPr>
+        <p:style>
+          <a:lnRef idx="2">
+            <a:schemeClr val="accent1">
+              <a:shade val="50000"/>
+            </a:schemeClr>
+          </a:lnRef>
+          <a:fillRef idx="1">
+            <a:schemeClr val="accent1"/>
+          </a:fillRef>
+          <a:effectRef idx="0">
+            <a:schemeClr val="accent1"/>
+          </a:effectRef>
+          <a:fontRef idx="minor">
+            <a:schemeClr val="lt1"/>
+          </a:fontRef>
+        </p:style>
+        <p:txBody>
+          <a:bodyPr rtlCol="0" anchor="ctr"/>
+          <a:lstStyle/>
+          <a:p>
+            <a:pPr algn="ctr"/>
+            <a:endParaRPr lang="zh-CN" altLang="en-US"/>
+          </a:p>
+        </p:txBody>
+      </p:sp>
+      <p:sp>
+        <p:nvSpPr>
+          <p:cNvPr id="21" name="文本框 24"/>
+          <p:cNvSpPr txBox="1"/>
+          <p:nvPr/>
+        </p:nvSpPr>
+        <p:spPr>
+          <a:xfrm>
+            <a:off x="517060" y="1692642"/>
+            <a:ext cx="8441877" cy="2531719"/>
+          </a:xfrm>
+          <a:prstGeom prst="rect">
+            <a:avLst/>
+          </a:prstGeom>
+          <a:noFill/>
+        </p:spPr>
+        <p:txBody>
+          <a:bodyPr wrap="square" rtlCol="0">
+            <a:spAutoFit/>
+          </a:bodyPr>
+          <a:lstStyle/>
+          <a:p>
+            <a:pPr marL="285750" indent="-285750">
+              <a:lnSpc>
+                <a:spcPct val="200000"/>
+              </a:lnSpc>
+              <a:spcBef>
+                <a:spcPts val="1200"/>
+              </a:spcBef>
+              <a:buFont typeface="Arial" charset="0"/>
+              <a:buChar char="•"/>
+            </a:pPr>
+            <a:r>
+              <a:rPr lang="en-US" altLang="zh-CN" b="1" dirty="0" err="1" smtClean="0">
+                <a:latin typeface="Times New Roman" charset="0"/>
+                <a:ea typeface="Times New Roman" charset="0"/>
+                <a:cs typeface="Times New Roman" charset="0"/>
+              </a:rPr>
+              <a:t>Nắm</a:t>
+            </a:r>
+            <a:r>
+              <a:rPr lang="en-US" altLang="zh-CN" b="1" dirty="0" smtClean="0">
+                <a:latin typeface="Times New Roman" charset="0"/>
+                <a:ea typeface="Times New Roman" charset="0"/>
+                <a:cs typeface="Times New Roman" charset="0"/>
+              </a:rPr>
+              <a:t> </a:t>
+            </a:r>
+            <a:r>
+              <a:rPr lang="en-US" altLang="zh-CN" b="1" dirty="0" err="1" smtClean="0">
+                <a:latin typeface="Times New Roman" charset="0"/>
+                <a:ea typeface="Times New Roman" charset="0"/>
+                <a:cs typeface="Times New Roman" charset="0"/>
+              </a:rPr>
+              <a:t>được</a:t>
+            </a:r>
+            <a:r>
+              <a:rPr lang="en-US" altLang="zh-CN" b="1" dirty="0" smtClean="0">
+                <a:latin typeface="Times New Roman" charset="0"/>
+                <a:ea typeface="Times New Roman" charset="0"/>
+                <a:cs typeface="Times New Roman" charset="0"/>
+              </a:rPr>
+              <a:t> </a:t>
+            </a:r>
+            <a:r>
+              <a:rPr lang="en-US" altLang="zh-CN" b="1" dirty="0" err="1" smtClean="0">
+                <a:latin typeface="Times New Roman" charset="0"/>
+                <a:ea typeface="Times New Roman" charset="0"/>
+                <a:cs typeface="Times New Roman" charset="0"/>
+              </a:rPr>
+              <a:t>các</a:t>
+            </a:r>
+            <a:r>
+              <a:rPr lang="en-US" altLang="zh-CN" b="1" dirty="0" smtClean="0">
+                <a:latin typeface="Times New Roman" charset="0"/>
+                <a:ea typeface="Times New Roman" charset="0"/>
+                <a:cs typeface="Times New Roman" charset="0"/>
+              </a:rPr>
+              <a:t> </a:t>
+            </a:r>
+            <a:r>
+              <a:rPr lang="en-US" altLang="zh-CN" b="1" dirty="0" err="1" smtClean="0">
+                <a:latin typeface="Times New Roman" charset="0"/>
+                <a:ea typeface="Times New Roman" charset="0"/>
+                <a:cs typeface="Times New Roman" charset="0"/>
+              </a:rPr>
+              <a:t>kiến</a:t>
+            </a:r>
+            <a:r>
+              <a:rPr lang="en-US" altLang="zh-CN" b="1" dirty="0" smtClean="0">
+                <a:latin typeface="Times New Roman" charset="0"/>
+                <a:ea typeface="Times New Roman" charset="0"/>
+                <a:cs typeface="Times New Roman" charset="0"/>
+              </a:rPr>
+              <a:t> </a:t>
+            </a:r>
+            <a:r>
+              <a:rPr lang="en-US" altLang="zh-CN" b="1" dirty="0" err="1" smtClean="0">
+                <a:latin typeface="Times New Roman" charset="0"/>
+                <a:ea typeface="Times New Roman" charset="0"/>
+                <a:cs typeface="Times New Roman" charset="0"/>
+              </a:rPr>
+              <a:t>thức</a:t>
+            </a:r>
+            <a:r>
+              <a:rPr lang="en-US" altLang="zh-CN" b="1" dirty="0" smtClean="0">
+                <a:latin typeface="Times New Roman" charset="0"/>
+                <a:ea typeface="Times New Roman" charset="0"/>
+                <a:cs typeface="Times New Roman" charset="0"/>
+              </a:rPr>
+              <a:t> </a:t>
+            </a:r>
+            <a:r>
+              <a:rPr lang="en-US" altLang="zh-CN" b="1" dirty="0" err="1" smtClean="0">
+                <a:latin typeface="Times New Roman" charset="0"/>
+                <a:ea typeface="Times New Roman" charset="0"/>
+                <a:cs typeface="Times New Roman" charset="0"/>
+              </a:rPr>
+              <a:t>cơ</a:t>
+            </a:r>
+            <a:r>
+              <a:rPr lang="en-US" altLang="zh-CN" b="1" dirty="0" smtClean="0">
+                <a:latin typeface="Times New Roman" charset="0"/>
+                <a:ea typeface="Times New Roman" charset="0"/>
+                <a:cs typeface="Times New Roman" charset="0"/>
+              </a:rPr>
+              <a:t> </a:t>
+            </a:r>
+            <a:r>
+              <a:rPr lang="en-US" altLang="zh-CN" b="1" dirty="0" err="1" smtClean="0">
+                <a:latin typeface="Times New Roman" charset="0"/>
+                <a:ea typeface="Times New Roman" charset="0"/>
+                <a:cs typeface="Times New Roman" charset="0"/>
+              </a:rPr>
+              <a:t>bản</a:t>
+            </a:r>
+            <a:r>
+              <a:rPr lang="en-US" altLang="zh-CN" b="1" dirty="0" smtClean="0">
+                <a:latin typeface="Times New Roman" charset="0"/>
+                <a:ea typeface="Times New Roman" charset="0"/>
+                <a:cs typeface="Times New Roman" charset="0"/>
+              </a:rPr>
+              <a:t> </a:t>
+            </a:r>
+            <a:r>
+              <a:rPr lang="en-US" altLang="zh-CN" b="1" dirty="0" err="1" smtClean="0">
+                <a:latin typeface="Times New Roman" charset="0"/>
+                <a:ea typeface="Times New Roman" charset="0"/>
+                <a:cs typeface="Times New Roman" charset="0"/>
+              </a:rPr>
+              <a:t>của</a:t>
+            </a:r>
+            <a:r>
+              <a:rPr lang="en-US" altLang="zh-CN" b="1" dirty="0" smtClean="0">
+                <a:latin typeface="Times New Roman" charset="0"/>
+                <a:ea typeface="Times New Roman" charset="0"/>
+                <a:cs typeface="Times New Roman" charset="0"/>
+              </a:rPr>
+              <a:t> </a:t>
+            </a:r>
+            <a:r>
+              <a:rPr lang="en-US" altLang="zh-CN" b="1" dirty="0" err="1" smtClean="0">
+                <a:latin typeface="Times New Roman" charset="0"/>
+                <a:ea typeface="Times New Roman" charset="0"/>
+                <a:cs typeface="Times New Roman" charset="0"/>
+              </a:rPr>
+              <a:t>hệ</a:t>
+            </a:r>
+            <a:r>
+              <a:rPr lang="en-US" altLang="zh-CN" b="1" dirty="0" smtClean="0">
+                <a:latin typeface="Times New Roman" charset="0"/>
+                <a:ea typeface="Times New Roman" charset="0"/>
+                <a:cs typeface="Times New Roman" charset="0"/>
+              </a:rPr>
+              <a:t> </a:t>
+            </a:r>
+            <a:r>
+              <a:rPr lang="en-US" altLang="zh-CN" b="1" dirty="0" err="1" smtClean="0">
+                <a:latin typeface="Times New Roman" charset="0"/>
+                <a:ea typeface="Times New Roman" charset="0"/>
+                <a:cs typeface="Times New Roman" charset="0"/>
+              </a:rPr>
+              <a:t>điều</a:t>
+            </a:r>
+            <a:r>
+              <a:rPr lang="en-US" altLang="zh-CN" b="1" dirty="0" smtClean="0">
+                <a:latin typeface="Times New Roman" charset="0"/>
+                <a:ea typeface="Times New Roman" charset="0"/>
+                <a:cs typeface="Times New Roman" charset="0"/>
+              </a:rPr>
+              <a:t> </a:t>
+            </a:r>
+            <a:r>
+              <a:rPr lang="en-US" altLang="zh-CN" b="1" dirty="0" err="1" smtClean="0">
+                <a:latin typeface="Times New Roman" charset="0"/>
+                <a:ea typeface="Times New Roman" charset="0"/>
+                <a:cs typeface="Times New Roman" charset="0"/>
+              </a:rPr>
+              <a:t>hành</a:t>
+            </a:r>
+            <a:r>
+              <a:rPr lang="en-US" altLang="zh-CN" b="1" dirty="0" smtClean="0">
+                <a:latin typeface="Times New Roman" charset="0"/>
+                <a:ea typeface="Times New Roman" charset="0"/>
+                <a:cs typeface="Times New Roman" charset="0"/>
+              </a:rPr>
+              <a:t> iOS, </a:t>
+            </a:r>
+            <a:r>
+              <a:rPr lang="en-US" altLang="zh-CN" b="1" dirty="0" err="1" smtClean="0">
+                <a:latin typeface="Times New Roman" charset="0"/>
+                <a:ea typeface="Times New Roman" charset="0"/>
+                <a:cs typeface="Times New Roman" charset="0"/>
+              </a:rPr>
+              <a:t>biết</a:t>
+            </a:r>
+            <a:r>
+              <a:rPr lang="en-US" altLang="zh-CN" b="1" dirty="0" smtClean="0">
+                <a:latin typeface="Times New Roman" charset="0"/>
+                <a:ea typeface="Times New Roman" charset="0"/>
+                <a:cs typeface="Times New Roman" charset="0"/>
+              </a:rPr>
+              <a:t> </a:t>
+            </a:r>
+            <a:r>
+              <a:rPr lang="en-US" altLang="zh-CN" b="1" dirty="0" err="1" smtClean="0">
+                <a:latin typeface="Times New Roman" charset="0"/>
+                <a:ea typeface="Times New Roman" charset="0"/>
+                <a:cs typeface="Times New Roman" charset="0"/>
+              </a:rPr>
+              <a:t>cách</a:t>
+            </a:r>
+            <a:r>
+              <a:rPr lang="en-US" altLang="zh-CN" b="1" dirty="0" smtClean="0">
+                <a:latin typeface="Times New Roman" charset="0"/>
+                <a:ea typeface="Times New Roman" charset="0"/>
+                <a:cs typeface="Times New Roman" charset="0"/>
+              </a:rPr>
+              <a:t> </a:t>
+            </a:r>
+            <a:r>
+              <a:rPr lang="en-US" altLang="zh-CN" b="1" dirty="0" err="1" smtClean="0">
+                <a:latin typeface="Times New Roman" charset="0"/>
+                <a:ea typeface="Times New Roman" charset="0"/>
+                <a:cs typeface="Times New Roman" charset="0"/>
+              </a:rPr>
+              <a:t>sử</a:t>
+            </a:r>
+            <a:r>
+              <a:rPr lang="en-US" altLang="zh-CN" b="1" dirty="0" smtClean="0">
+                <a:latin typeface="Times New Roman" charset="0"/>
+                <a:ea typeface="Times New Roman" charset="0"/>
+                <a:cs typeface="Times New Roman" charset="0"/>
+              </a:rPr>
+              <a:t> </a:t>
+            </a:r>
+            <a:r>
+              <a:rPr lang="en-US" altLang="zh-CN" b="1" dirty="0" err="1" smtClean="0">
+                <a:latin typeface="Times New Roman" charset="0"/>
+                <a:ea typeface="Times New Roman" charset="0"/>
+                <a:cs typeface="Times New Roman" charset="0"/>
+              </a:rPr>
+              <a:t>dụng</a:t>
+            </a:r>
+            <a:r>
+              <a:rPr lang="en-US" altLang="zh-CN" b="1" dirty="0" smtClean="0">
+                <a:latin typeface="Times New Roman" charset="0"/>
+                <a:ea typeface="Times New Roman" charset="0"/>
+                <a:cs typeface="Times New Roman" charset="0"/>
+              </a:rPr>
+              <a:t> </a:t>
+            </a:r>
+            <a:r>
+              <a:rPr lang="en-US" altLang="zh-CN" b="1" dirty="0" err="1" smtClean="0">
+                <a:latin typeface="Times New Roman" charset="0"/>
+                <a:ea typeface="Times New Roman" charset="0"/>
+                <a:cs typeface="Times New Roman" charset="0"/>
+              </a:rPr>
+              <a:t>một</a:t>
+            </a:r>
+            <a:r>
+              <a:rPr lang="en-US" altLang="zh-CN" b="1" dirty="0" smtClean="0">
+                <a:latin typeface="Times New Roman" charset="0"/>
+                <a:ea typeface="Times New Roman" charset="0"/>
+                <a:cs typeface="Times New Roman" charset="0"/>
+              </a:rPr>
+              <a:t> </a:t>
+            </a:r>
+            <a:r>
+              <a:rPr lang="en-US" altLang="zh-CN" b="1" dirty="0" err="1" smtClean="0">
+                <a:latin typeface="Times New Roman" charset="0"/>
+                <a:ea typeface="Times New Roman" charset="0"/>
+                <a:cs typeface="Times New Roman" charset="0"/>
+              </a:rPr>
+              <a:t>số</a:t>
+            </a:r>
+            <a:r>
+              <a:rPr lang="en-US" altLang="zh-CN" b="1" dirty="0" smtClean="0">
+                <a:latin typeface="Times New Roman" charset="0"/>
+                <a:ea typeface="Times New Roman" charset="0"/>
+                <a:cs typeface="Times New Roman" charset="0"/>
+              </a:rPr>
+              <a:t> framework </a:t>
+            </a:r>
+            <a:r>
+              <a:rPr lang="en-US" altLang="zh-CN" b="1" dirty="0" err="1" smtClean="0">
+                <a:latin typeface="Times New Roman" charset="0"/>
+                <a:ea typeface="Times New Roman" charset="0"/>
+                <a:cs typeface="Times New Roman" charset="0"/>
+              </a:rPr>
+              <a:t>của</a:t>
+            </a:r>
+            <a:r>
+              <a:rPr lang="en-US" altLang="zh-CN" b="1" dirty="0" smtClean="0">
+                <a:latin typeface="Times New Roman" charset="0"/>
+                <a:ea typeface="Times New Roman" charset="0"/>
+                <a:cs typeface="Times New Roman" charset="0"/>
+              </a:rPr>
+              <a:t> iOS, Google.</a:t>
+            </a:r>
+          </a:p>
+          <a:p>
+            <a:pPr marL="285750" indent="-285750">
+              <a:lnSpc>
+                <a:spcPct val="200000"/>
+              </a:lnSpc>
+              <a:spcBef>
+                <a:spcPts val="1200"/>
+              </a:spcBef>
+              <a:buFont typeface="Arial" charset="0"/>
+              <a:buChar char="•"/>
+            </a:pPr>
+            <a:r>
+              <a:rPr lang="en-US" altLang="zh-CN" b="1" dirty="0" err="1" smtClean="0">
+                <a:latin typeface="Times New Roman" charset="0"/>
+                <a:ea typeface="Times New Roman" charset="0"/>
+                <a:cs typeface="Times New Roman" charset="0"/>
+              </a:rPr>
+              <a:t>Nắm</a:t>
+            </a:r>
+            <a:r>
+              <a:rPr lang="en-US" altLang="zh-CN" b="1" dirty="0" smtClean="0">
+                <a:latin typeface="Times New Roman" charset="0"/>
+                <a:ea typeface="Times New Roman" charset="0"/>
+                <a:cs typeface="Times New Roman" charset="0"/>
+              </a:rPr>
+              <a:t> </a:t>
+            </a:r>
+            <a:r>
+              <a:rPr lang="en-US" altLang="zh-CN" b="1" dirty="0" err="1" smtClean="0">
+                <a:latin typeface="Times New Roman" charset="0"/>
+                <a:ea typeface="Times New Roman" charset="0"/>
+                <a:cs typeface="Times New Roman" charset="0"/>
+              </a:rPr>
+              <a:t>được</a:t>
+            </a:r>
+            <a:r>
+              <a:rPr lang="en-US" altLang="zh-CN" b="1" dirty="0" smtClean="0">
+                <a:latin typeface="Times New Roman" charset="0"/>
+                <a:ea typeface="Times New Roman" charset="0"/>
+                <a:cs typeface="Times New Roman" charset="0"/>
+              </a:rPr>
+              <a:t> </a:t>
+            </a:r>
+            <a:r>
+              <a:rPr lang="en-US" altLang="zh-CN" b="1" dirty="0" err="1" smtClean="0">
+                <a:latin typeface="Times New Roman" charset="0"/>
+                <a:ea typeface="Times New Roman" charset="0"/>
+                <a:cs typeface="Times New Roman" charset="0"/>
+              </a:rPr>
+              <a:t>quy</a:t>
+            </a:r>
+            <a:r>
+              <a:rPr lang="en-US" altLang="zh-CN" b="1" dirty="0" smtClean="0">
+                <a:latin typeface="Times New Roman" charset="0"/>
+                <a:ea typeface="Times New Roman" charset="0"/>
+                <a:cs typeface="Times New Roman" charset="0"/>
+              </a:rPr>
+              <a:t> </a:t>
+            </a:r>
+            <a:r>
+              <a:rPr lang="en-US" altLang="zh-CN" b="1" dirty="0" err="1" smtClean="0">
+                <a:latin typeface="Times New Roman" charset="0"/>
+                <a:ea typeface="Times New Roman" charset="0"/>
+                <a:cs typeface="Times New Roman" charset="0"/>
+              </a:rPr>
+              <a:t>trình</a:t>
+            </a:r>
+            <a:r>
+              <a:rPr lang="en-US" altLang="zh-CN" b="1" dirty="0" smtClean="0">
+                <a:latin typeface="Times New Roman" charset="0"/>
+                <a:ea typeface="Times New Roman" charset="0"/>
+                <a:cs typeface="Times New Roman" charset="0"/>
+              </a:rPr>
+              <a:t> </a:t>
+            </a:r>
+            <a:r>
+              <a:rPr lang="en-US" altLang="zh-CN" b="1" dirty="0" err="1" smtClean="0">
+                <a:latin typeface="Times New Roman" charset="0"/>
+                <a:ea typeface="Times New Roman" charset="0"/>
+                <a:cs typeface="Times New Roman" charset="0"/>
+              </a:rPr>
+              <a:t>phát</a:t>
+            </a:r>
+            <a:r>
+              <a:rPr lang="en-US" altLang="zh-CN" b="1" dirty="0" smtClean="0">
+                <a:latin typeface="Times New Roman" charset="0"/>
+                <a:ea typeface="Times New Roman" charset="0"/>
+                <a:cs typeface="Times New Roman" charset="0"/>
+              </a:rPr>
+              <a:t> </a:t>
+            </a:r>
+            <a:r>
+              <a:rPr lang="en-US" altLang="zh-CN" b="1" dirty="0" err="1" smtClean="0">
+                <a:latin typeface="Times New Roman" charset="0"/>
+                <a:ea typeface="Times New Roman" charset="0"/>
+                <a:cs typeface="Times New Roman" charset="0"/>
+              </a:rPr>
+              <a:t>triển</a:t>
+            </a:r>
+            <a:r>
+              <a:rPr lang="en-US" altLang="zh-CN" b="1" dirty="0" smtClean="0">
+                <a:latin typeface="Times New Roman" charset="0"/>
+                <a:ea typeface="Times New Roman" charset="0"/>
+                <a:cs typeface="Times New Roman" charset="0"/>
+              </a:rPr>
+              <a:t> </a:t>
+            </a:r>
+            <a:r>
+              <a:rPr lang="en-US" altLang="zh-CN" b="1" dirty="0" err="1" smtClean="0">
+                <a:latin typeface="Times New Roman" charset="0"/>
+                <a:ea typeface="Times New Roman" charset="0"/>
+                <a:cs typeface="Times New Roman" charset="0"/>
+              </a:rPr>
+              <a:t>một</a:t>
+            </a:r>
+            <a:r>
+              <a:rPr lang="en-US" altLang="zh-CN" b="1" dirty="0" smtClean="0">
+                <a:latin typeface="Times New Roman" charset="0"/>
+                <a:ea typeface="Times New Roman" charset="0"/>
+                <a:cs typeface="Times New Roman" charset="0"/>
+              </a:rPr>
+              <a:t> </a:t>
+            </a:r>
+            <a:r>
+              <a:rPr lang="en-US" altLang="zh-CN" b="1" dirty="0" err="1" smtClean="0">
+                <a:latin typeface="Times New Roman" charset="0"/>
+                <a:ea typeface="Times New Roman" charset="0"/>
+                <a:cs typeface="Times New Roman" charset="0"/>
+              </a:rPr>
+              <a:t>ứng</a:t>
+            </a:r>
+            <a:r>
+              <a:rPr lang="en-US" altLang="zh-CN" b="1" dirty="0" smtClean="0">
+                <a:latin typeface="Times New Roman" charset="0"/>
+                <a:ea typeface="Times New Roman" charset="0"/>
+                <a:cs typeface="Times New Roman" charset="0"/>
+              </a:rPr>
+              <a:t> </a:t>
+            </a:r>
+            <a:r>
+              <a:rPr lang="en-US" altLang="zh-CN" b="1" dirty="0" err="1" smtClean="0">
+                <a:latin typeface="Times New Roman" charset="0"/>
+                <a:ea typeface="Times New Roman" charset="0"/>
+                <a:cs typeface="Times New Roman" charset="0"/>
+              </a:rPr>
+              <a:t>dụng</a:t>
+            </a:r>
+            <a:endParaRPr lang="en-US" altLang="zh-CN" b="1" dirty="0">
+              <a:latin typeface="Times New Roman" charset="0"/>
+              <a:ea typeface="Times New Roman" charset="0"/>
+              <a:cs typeface="Times New Roman" charset="0"/>
+            </a:endParaRPr>
+          </a:p>
+          <a:p>
+            <a:pPr marL="285750" indent="-285750">
+              <a:lnSpc>
+                <a:spcPct val="200000"/>
+              </a:lnSpc>
+              <a:spcBef>
+                <a:spcPts val="1200"/>
+              </a:spcBef>
+              <a:buFont typeface="Arial" charset="0"/>
+              <a:buChar char="•"/>
+            </a:pPr>
+            <a:r>
+              <a:rPr lang="en-US" altLang="zh-CN" b="1" dirty="0" err="1" smtClean="0">
+                <a:latin typeface="Times New Roman" charset="0"/>
+                <a:ea typeface="Times New Roman" charset="0"/>
+                <a:cs typeface="Times New Roman" charset="0"/>
+              </a:rPr>
+              <a:t>Tuy</a:t>
+            </a:r>
+            <a:r>
+              <a:rPr lang="en-US" altLang="zh-CN" b="1" dirty="0" smtClean="0">
+                <a:latin typeface="Times New Roman" charset="0"/>
+                <a:ea typeface="Times New Roman" charset="0"/>
+                <a:cs typeface="Times New Roman" charset="0"/>
+              </a:rPr>
+              <a:t> </a:t>
+            </a:r>
+            <a:r>
+              <a:rPr lang="en-US" altLang="zh-CN" b="1" dirty="0" err="1" smtClean="0">
+                <a:latin typeface="Times New Roman" charset="0"/>
+                <a:ea typeface="Times New Roman" charset="0"/>
+                <a:cs typeface="Times New Roman" charset="0"/>
+              </a:rPr>
+              <a:t>nhiên</a:t>
+            </a:r>
+            <a:r>
+              <a:rPr lang="en-US" altLang="zh-CN" b="1" dirty="0" smtClean="0">
+                <a:latin typeface="Times New Roman" charset="0"/>
+                <a:ea typeface="Times New Roman" charset="0"/>
+                <a:cs typeface="Times New Roman" charset="0"/>
+              </a:rPr>
+              <a:t> </a:t>
+            </a:r>
+            <a:r>
+              <a:rPr lang="en-US" altLang="zh-CN" b="1" dirty="0" err="1" smtClean="0">
+                <a:latin typeface="Times New Roman" charset="0"/>
+                <a:ea typeface="Times New Roman" charset="0"/>
+                <a:cs typeface="Times New Roman" charset="0"/>
+              </a:rPr>
+              <a:t>ứng</a:t>
+            </a:r>
+            <a:r>
+              <a:rPr lang="en-US" altLang="zh-CN" b="1" dirty="0" smtClean="0">
+                <a:latin typeface="Times New Roman" charset="0"/>
+                <a:ea typeface="Times New Roman" charset="0"/>
+                <a:cs typeface="Times New Roman" charset="0"/>
+              </a:rPr>
+              <a:t> </a:t>
+            </a:r>
+            <a:r>
+              <a:rPr lang="en-US" altLang="zh-CN" b="1" dirty="0" err="1" smtClean="0">
+                <a:latin typeface="Times New Roman" charset="0"/>
+                <a:ea typeface="Times New Roman" charset="0"/>
+                <a:cs typeface="Times New Roman" charset="0"/>
+              </a:rPr>
+              <a:t>dụng</a:t>
+            </a:r>
+            <a:r>
+              <a:rPr lang="en-US" altLang="zh-CN" b="1" dirty="0" smtClean="0">
+                <a:latin typeface="Times New Roman" charset="0"/>
+                <a:ea typeface="Times New Roman" charset="0"/>
+                <a:cs typeface="Times New Roman" charset="0"/>
+              </a:rPr>
+              <a:t> </a:t>
+            </a:r>
+            <a:r>
+              <a:rPr lang="en-US" altLang="zh-CN" b="1" dirty="0" err="1" smtClean="0">
+                <a:latin typeface="Times New Roman" charset="0"/>
+                <a:ea typeface="Times New Roman" charset="0"/>
+                <a:cs typeface="Times New Roman" charset="0"/>
+              </a:rPr>
+              <a:t>vẫn</a:t>
+            </a:r>
+            <a:r>
+              <a:rPr lang="en-US" altLang="zh-CN" b="1" dirty="0" smtClean="0">
+                <a:latin typeface="Times New Roman" charset="0"/>
+                <a:ea typeface="Times New Roman" charset="0"/>
+                <a:cs typeface="Times New Roman" charset="0"/>
+              </a:rPr>
+              <a:t> </a:t>
+            </a:r>
+            <a:r>
+              <a:rPr lang="en-US" altLang="zh-CN" b="1" dirty="0" err="1" smtClean="0">
+                <a:latin typeface="Times New Roman" charset="0"/>
+                <a:ea typeface="Times New Roman" charset="0"/>
+                <a:cs typeface="Times New Roman" charset="0"/>
+              </a:rPr>
+              <a:t>còn</a:t>
+            </a:r>
+            <a:r>
+              <a:rPr lang="en-US" altLang="zh-CN" b="1" dirty="0" smtClean="0">
+                <a:latin typeface="Times New Roman" charset="0"/>
+                <a:ea typeface="Times New Roman" charset="0"/>
+                <a:cs typeface="Times New Roman" charset="0"/>
+              </a:rPr>
+              <a:t> </a:t>
+            </a:r>
+            <a:r>
+              <a:rPr lang="en-US" altLang="zh-CN" b="1" dirty="0" err="1" smtClean="0">
+                <a:latin typeface="Times New Roman" charset="0"/>
+                <a:ea typeface="Times New Roman" charset="0"/>
+                <a:cs typeface="Times New Roman" charset="0"/>
+              </a:rPr>
+              <a:t>một</a:t>
+            </a:r>
+            <a:r>
+              <a:rPr lang="en-US" altLang="zh-CN" b="1" dirty="0" smtClean="0">
+                <a:latin typeface="Times New Roman" charset="0"/>
+                <a:ea typeface="Times New Roman" charset="0"/>
+                <a:cs typeface="Times New Roman" charset="0"/>
+              </a:rPr>
+              <a:t> </a:t>
+            </a:r>
+            <a:r>
+              <a:rPr lang="en-US" altLang="zh-CN" b="1" dirty="0" err="1" smtClean="0">
+                <a:latin typeface="Times New Roman" charset="0"/>
+                <a:ea typeface="Times New Roman" charset="0"/>
+                <a:cs typeface="Times New Roman" charset="0"/>
+              </a:rPr>
+              <a:t>số</a:t>
+            </a:r>
+            <a:r>
+              <a:rPr lang="en-US" altLang="zh-CN" b="1" dirty="0" smtClean="0">
+                <a:latin typeface="Times New Roman" charset="0"/>
+                <a:ea typeface="Times New Roman" charset="0"/>
+                <a:cs typeface="Times New Roman" charset="0"/>
+              </a:rPr>
+              <a:t> </a:t>
+            </a:r>
+            <a:r>
+              <a:rPr lang="en-US" altLang="zh-CN" b="1" dirty="0" err="1" smtClean="0">
+                <a:latin typeface="Times New Roman" charset="0"/>
+                <a:ea typeface="Times New Roman" charset="0"/>
+                <a:cs typeface="Times New Roman" charset="0"/>
+              </a:rPr>
+              <a:t>hạn</a:t>
+            </a:r>
+            <a:r>
+              <a:rPr lang="en-US" altLang="zh-CN" b="1" dirty="0" smtClean="0">
+                <a:latin typeface="Times New Roman" charset="0"/>
+                <a:ea typeface="Times New Roman" charset="0"/>
+                <a:cs typeface="Times New Roman" charset="0"/>
+              </a:rPr>
+              <a:t> </a:t>
+            </a:r>
+            <a:r>
+              <a:rPr lang="en-US" altLang="zh-CN" b="1" dirty="0" err="1" smtClean="0">
+                <a:latin typeface="Times New Roman" charset="0"/>
+                <a:ea typeface="Times New Roman" charset="0"/>
+                <a:cs typeface="Times New Roman" charset="0"/>
+              </a:rPr>
+              <a:t>chế</a:t>
+            </a:r>
+            <a:r>
+              <a:rPr lang="en-US" altLang="zh-CN" b="1" dirty="0" smtClean="0">
+                <a:latin typeface="Times New Roman" charset="0"/>
+                <a:ea typeface="Times New Roman" charset="0"/>
+                <a:cs typeface="Times New Roman" charset="0"/>
+              </a:rPr>
+              <a:t> </a:t>
+            </a:r>
+            <a:r>
+              <a:rPr lang="en-US" altLang="zh-CN" b="1" dirty="0" err="1" smtClean="0">
+                <a:latin typeface="Times New Roman" charset="0"/>
+                <a:ea typeface="Times New Roman" charset="0"/>
+                <a:cs typeface="Times New Roman" charset="0"/>
+              </a:rPr>
+              <a:t>về</a:t>
+            </a:r>
+            <a:r>
+              <a:rPr lang="en-US" altLang="zh-CN" b="1" dirty="0" smtClean="0">
+                <a:latin typeface="Times New Roman" charset="0"/>
+                <a:ea typeface="Times New Roman" charset="0"/>
+                <a:cs typeface="Times New Roman" charset="0"/>
+              </a:rPr>
+              <a:t> </a:t>
+            </a:r>
+            <a:r>
+              <a:rPr lang="en-US" altLang="zh-CN" b="1" dirty="0" err="1" smtClean="0">
+                <a:latin typeface="Times New Roman" charset="0"/>
+                <a:ea typeface="Times New Roman" charset="0"/>
+                <a:cs typeface="Times New Roman" charset="0"/>
+              </a:rPr>
+              <a:t>giao</a:t>
+            </a:r>
+            <a:r>
+              <a:rPr lang="en-US" altLang="zh-CN" b="1" dirty="0" smtClean="0">
+                <a:latin typeface="Times New Roman" charset="0"/>
+                <a:ea typeface="Times New Roman" charset="0"/>
+                <a:cs typeface="Times New Roman" charset="0"/>
+              </a:rPr>
+              <a:t> </a:t>
+            </a:r>
+            <a:r>
+              <a:rPr lang="en-US" altLang="zh-CN" b="1" dirty="0" err="1" smtClean="0">
+                <a:latin typeface="Times New Roman" charset="0"/>
+                <a:ea typeface="Times New Roman" charset="0"/>
+                <a:cs typeface="Times New Roman" charset="0"/>
+              </a:rPr>
+              <a:t>diện</a:t>
+            </a:r>
+            <a:r>
+              <a:rPr lang="en-US" altLang="zh-CN" b="1" dirty="0" smtClean="0">
+                <a:latin typeface="Times New Roman" charset="0"/>
+                <a:ea typeface="Times New Roman" charset="0"/>
+                <a:cs typeface="Times New Roman" charset="0"/>
+              </a:rPr>
+              <a:t>, </a:t>
+            </a:r>
+            <a:r>
+              <a:rPr lang="en-US" altLang="zh-CN" b="1" dirty="0" err="1" smtClean="0">
+                <a:latin typeface="Times New Roman" charset="0"/>
+                <a:ea typeface="Times New Roman" charset="0"/>
+                <a:cs typeface="Times New Roman" charset="0"/>
+              </a:rPr>
+              <a:t>dữ</a:t>
+            </a:r>
+            <a:r>
+              <a:rPr lang="en-US" altLang="zh-CN" b="1" dirty="0" smtClean="0">
+                <a:latin typeface="Times New Roman" charset="0"/>
+                <a:ea typeface="Times New Roman" charset="0"/>
+                <a:cs typeface="Times New Roman" charset="0"/>
+              </a:rPr>
+              <a:t> </a:t>
+            </a:r>
+            <a:r>
+              <a:rPr lang="en-US" altLang="zh-CN" b="1" dirty="0" err="1" smtClean="0">
+                <a:latin typeface="Times New Roman" charset="0"/>
+                <a:ea typeface="Times New Roman" charset="0"/>
+                <a:cs typeface="Times New Roman" charset="0"/>
+              </a:rPr>
+              <a:t>liệu</a:t>
+            </a:r>
+            <a:endParaRPr lang="zh-CN" altLang="en-US" b="1" dirty="0">
+              <a:latin typeface="Times New Roman" charset="0"/>
+              <a:ea typeface="Times New Roman" charset="0"/>
+              <a:cs typeface="Times New Roman" charset="0"/>
+            </a:endParaRPr>
+          </a:p>
+        </p:txBody>
+      </p:sp>
+      <p:pic>
+        <p:nvPicPr>
+          <p:cNvPr id="22" name="Picture 21">
+            <a:extLst>
+              <a:ext uri="{FF2B5EF4-FFF2-40B4-BE49-F238E27FC236}">
+                <a16:creationId xmlns:a16="http://schemas.microsoft.com/office/drawing/2014/main" xmlns="" id="{7C9B4CD5-0A1D-5A4D-9B48-CC637B8B4666}"/>
+              </a:ext>
+            </a:extLst>
+          </p:cNvPr>
+          <p:cNvPicPr>
+            <a:picLocks noChangeAspect="1"/>
+          </p:cNvPicPr>
+          <p:nvPr/>
+        </p:nvPicPr>
+        <p:blipFill>
+          <a:blip r:embed="rId3"/>
+          <a:stretch>
+            <a:fillRect/>
+          </a:stretch>
+        </p:blipFill>
+        <p:spPr>
+          <a:xfrm>
+            <a:off x="221784" y="172315"/>
+            <a:ext cx="619528" cy="815168"/>
+          </a:xfrm>
+          <a:prstGeom prst="rect">
+            <a:avLst/>
+          </a:prstGeom>
+        </p:spPr>
+      </p:pic>
+    </p:spTree>
+    <p:extLst>
+      <p:ext uri="{BB962C8B-B14F-4D97-AF65-F5344CB8AC3E}">
+        <p14:creationId xmlns:p14="http://schemas.microsoft.com/office/powerpoint/2010/main" val="2000736821"/>
+      </p:ext>
+    </p:extLst>
+  </p:cSld>
+  <p:clrMapOvr>
+    <a:masterClrMapping/>
+  </p:clrMapOvr>
+  <p:timing>
+    <p:tnLst>
+      <p:par>
+        <p:cTn id="1" dur="indefinite" restart="never" nodeType="tmRoot">
+          <p:childTnLst>
+            <p:seq concurrent="1" nextAc="seek">
+              <p:cTn id="2" dur="indefinite" nodeType="mainSeq">
+                <p:childTnLst>
+                  <p:par>
+                    <p:cTn id="3" fill="hold">
+                      <p:stCondLst>
+                        <p:cond delay="indefinite"/>
+                      </p:stCondLst>
+                      <p:childTnLst>
+                        <p:par>
+                          <p:cTn id="4" fill="hold">
+                            <p:stCondLst>
+                              <p:cond delay="0"/>
+                            </p:stCondLst>
+                            <p:childTnLst>
+                              <p:par>
+                                <p:cTn id="5" presetID="5" presetClass="entr" presetSubtype="10" fill="hold" grpId="0" nodeType="clickEffect">
+                                  <p:stCondLst>
+                                    <p:cond delay="0"/>
+                                  </p:stCondLst>
+                                  <p:childTnLst>
+                                    <p:set>
+                                      <p:cBhvr>
+                                        <p:cTn id="6" dur="1" fill="hold">
+                                          <p:stCondLst>
+                                            <p:cond delay="0"/>
+                                          </p:stCondLst>
+                                        </p:cTn>
+                                        <p:tgtEl>
+                                          <p:spTgt spid="21"/>
+                                        </p:tgtEl>
+                                        <p:attrNameLst>
+                                          <p:attrName>style.visibility</p:attrName>
+                                        </p:attrNameLst>
+                                      </p:cBhvr>
+                                      <p:to>
+                                        <p:strVal val="visible"/>
+                                      </p:to>
+                                    </p:set>
+                                    <p:animEffect transition="in" filter="checkerboard(across)">
+                                      <p:cBhvr>
+                                        <p:cTn id="7" dur="500"/>
+                                        <p:tgtEl>
+                                          <p:spTgt spid="21"/>
+                                        </p:tgtEl>
+                                      </p:cBhvr>
+                                    </p:animEffect>
+                                  </p:childTnLst>
+                                </p:cTn>
+                              </p:par>
+                            </p:childTnLst>
+                          </p:cTn>
+                        </p:par>
+                      </p:childTnLst>
+                    </p:cTn>
+                  </p:par>
+                </p:childTnLst>
+              </p:cTn>
+              <p:prevCondLst>
+                <p:cond evt="onPrev" delay="0">
+                  <p:tgtEl>
+                    <p:sldTgt/>
+                  </p:tgtEl>
+                </p:cond>
+              </p:prevCondLst>
+              <p:nextCondLst>
+                <p:cond evt="onNext" delay="0">
+                  <p:tgtEl>
+                    <p:sldTgt/>
+                  </p:tgtEl>
+                </p:cond>
+              </p:nextCondLst>
+            </p:seq>
+          </p:childTnLst>
+        </p:cTn>
+      </p:par>
+    </p:tnLst>
+    <p:bldLst>
+      <p:bldP spid="21" grpId="0"/>
+    </p:bldLst>
+  </p:timing>
+</p:sld>
+</file>
+
+<file path=ppt/slides/slide13.xml><?xml version="1.0" encoding="utf-8"?>
+<p:sld xmlns:a="http://schemas.openxmlformats.org/drawingml/2006/main" xmlns:r="http://schemas.openxmlformats.org/officeDocument/2006/relationships" xmlns:p="http://schemas.openxmlformats.org/presentationml/2006/main">
+  <p:cSld>
+    <p:spTree>
+      <p:nvGrpSpPr>
+        <p:cNvPr id="1" name=""/>
+        <p:cNvGrpSpPr/>
+        <p:nvPr/>
+      </p:nvGrpSpPr>
+      <p:grpSpPr>
+        <a:xfrm>
+          <a:off x="0" y="0"/>
+          <a:ext cx="0" cy="0"/>
+          <a:chOff x="0" y="0"/>
+          <a:chExt cx="0" cy="0"/>
+        </a:xfrm>
+      </p:grpSpPr>
+      <p:pic>
+        <p:nvPicPr>
+          <p:cNvPr id="4" name="Picture 3"/>
+          <p:cNvPicPr>
+            <a:picLocks noChangeAspect="1"/>
+          </p:cNvPicPr>
+          <p:nvPr/>
+        </p:nvPicPr>
+        <p:blipFill>
+          <a:blip r:embed="rId2"/>
+          <a:stretch>
+            <a:fillRect/>
+          </a:stretch>
+        </p:blipFill>
+        <p:spPr>
+          <a:xfrm>
+            <a:off x="2337099" y="0"/>
+            <a:ext cx="4279900" cy="859777"/>
+          </a:xfrm>
+          <a:prstGeom prst="rect">
+            <a:avLst/>
+          </a:prstGeom>
+        </p:spPr>
+      </p:pic>
+      <p:grpSp>
+        <p:nvGrpSpPr>
+          <p:cNvPr id="16" name="组合 2"/>
+          <p:cNvGrpSpPr/>
+          <p:nvPr/>
+        </p:nvGrpSpPr>
+        <p:grpSpPr>
+          <a:xfrm>
+            <a:off x="1867331" y="119742"/>
+            <a:ext cx="5874281" cy="1017930"/>
+            <a:chOff x="1802016" y="1161680"/>
+            <a:chExt cx="5874281" cy="1017930"/>
+          </a:xfrm>
+        </p:grpSpPr>
+        <p:sp>
+          <p:nvSpPr>
+            <p:cNvPr id="18" name="矩形 16"/>
+            <p:cNvSpPr/>
+            <p:nvPr/>
+          </p:nvSpPr>
+          <p:spPr>
+            <a:xfrm>
+              <a:off x="1920285" y="1367482"/>
+              <a:ext cx="5607005" cy="597558"/>
+            </a:xfrm>
+            <a:prstGeom prst="rect">
+              <a:avLst/>
+            </a:prstGeom>
+            <a:solidFill>
+              <a:schemeClr val="bg1"/>
+            </a:solidFill>
+            <a:ln>
+              <a:noFill/>
+            </a:ln>
+            <a:effectLst>
+              <a:outerShdw blurRad="50800" dist="38100" dir="5400000" algn="t" rotWithShape="0">
+                <a:prstClr val="black">
+                  <a:alpha val="30000"/>
+                </a:prstClr>
+              </a:outerShdw>
+            </a:effectLst>
+          </p:spPr>
+          <p:style>
+            <a:lnRef idx="2">
+              <a:schemeClr val="accent1">
+                <a:shade val="50000"/>
+              </a:schemeClr>
+            </a:lnRef>
+            <a:fillRef idx="1">
+              <a:schemeClr val="accent1"/>
+            </a:fillRef>
+            <a:effectRef idx="0">
+              <a:schemeClr val="accent1"/>
+            </a:effectRef>
+            <a:fontRef idx="minor">
+              <a:schemeClr val="lt1"/>
+            </a:fontRef>
+          </p:style>
+          <p:txBody>
+            <a:bodyPr rtlCol="0" anchor="ctr"/>
+            <a:lstStyle/>
+            <a:p>
+              <a:pPr algn="ctr"/>
+              <a:endParaRPr lang="zh-CN" altLang="en-US"/>
+            </a:p>
+          </p:txBody>
+        </p:sp>
+        <p:grpSp>
+          <p:nvGrpSpPr>
+            <p:cNvPr id="19" name="组合 26"/>
+            <p:cNvGrpSpPr/>
+            <p:nvPr/>
+          </p:nvGrpSpPr>
+          <p:grpSpPr>
+            <a:xfrm>
+              <a:off x="1802016" y="1161680"/>
+              <a:ext cx="377846" cy="772790"/>
+              <a:chOff x="636560" y="1153442"/>
+              <a:chExt cx="377846" cy="772790"/>
+            </a:xfrm>
+          </p:grpSpPr>
+          <p:sp useBgFill="1">
+            <p:nvSpPr>
+              <p:cNvPr id="31" name="矩形 21"/>
+              <p:cNvSpPr/>
+              <p:nvPr/>
+            </p:nvSpPr>
+            <p:spPr>
+              <a:xfrm rot="18820385">
+                <a:off x="547529" y="1242473"/>
+                <a:ext cx="555908" cy="377846"/>
+              </a:xfrm>
+              <a:prstGeom prst="rect">
+                <a:avLst/>
+              </a:prstGeom>
+              <a:ln>
+                <a:noFill/>
+              </a:ln>
+              <a:effectLst/>
+            </p:spPr>
+            <p:style>
+              <a:lnRef idx="2">
+                <a:schemeClr val="accent1">
+                  <a:shade val="50000"/>
+                </a:schemeClr>
+              </a:lnRef>
+              <a:fillRef idx="1">
+                <a:schemeClr val="accent1"/>
+              </a:fillRef>
+              <a:effectRef idx="0">
+                <a:schemeClr val="accent1"/>
+              </a:effectRef>
+              <a:fontRef idx="minor">
+                <a:schemeClr val="lt1"/>
+              </a:fontRef>
+            </p:style>
+            <p:txBody>
+              <a:bodyPr rtlCol="0" anchor="ctr"/>
+              <a:lstStyle/>
+              <a:p>
+                <a:pPr algn="ctr"/>
+                <a:endParaRPr lang="zh-CN" altLang="en-US"/>
+              </a:p>
+            </p:txBody>
+          </p:sp>
+          <p:sp useBgFill="1">
+            <p:nvSpPr>
+              <p:cNvPr id="32" name="矩形 20"/>
+              <p:cNvSpPr/>
+              <p:nvPr/>
+            </p:nvSpPr>
+            <p:spPr>
+              <a:xfrm rot="18722618" flipV="1">
+                <a:off x="543901" y="1493178"/>
+                <a:ext cx="760969" cy="105139"/>
+              </a:xfrm>
+              <a:prstGeom prst="rect">
+                <a:avLst/>
+              </a:prstGeom>
+              <a:ln>
+                <a:noFill/>
+              </a:ln>
+              <a:effectLst>
+                <a:outerShdw blurRad="50800" dist="38100" dir="2700000" algn="tl" rotWithShape="0">
+                  <a:prstClr val="black">
+                    <a:alpha val="30000"/>
+                  </a:prstClr>
+                </a:outerShdw>
+              </a:effectLst>
+            </p:spPr>
+            <p:style>
+              <a:lnRef idx="2">
+                <a:schemeClr val="accent1">
+                  <a:shade val="50000"/>
+                </a:schemeClr>
+              </a:lnRef>
+              <a:fillRef idx="1">
+                <a:schemeClr val="accent1"/>
+              </a:fillRef>
+              <a:effectRef idx="0">
+                <a:schemeClr val="accent1"/>
+              </a:effectRef>
+              <a:fontRef idx="minor">
+                <a:schemeClr val="lt1"/>
+              </a:fontRef>
+            </p:style>
+            <p:txBody>
+              <a:bodyPr rtlCol="0" anchor="ctr"/>
+              <a:lstStyle/>
+              <a:p>
+                <a:pPr algn="ctr"/>
+                <a:endParaRPr lang="zh-CN" altLang="en-US"/>
+              </a:p>
+            </p:txBody>
+          </p:sp>
+        </p:grpSp>
+        <p:grpSp>
+          <p:nvGrpSpPr>
+            <p:cNvPr id="20" name="组合 25"/>
+            <p:cNvGrpSpPr/>
+            <p:nvPr/>
+          </p:nvGrpSpPr>
+          <p:grpSpPr>
+            <a:xfrm>
+              <a:off x="7298451" y="1405913"/>
+              <a:ext cx="377846" cy="773697"/>
+              <a:chOff x="3474496" y="1598656"/>
+              <a:chExt cx="377846" cy="773697"/>
+            </a:xfrm>
+          </p:grpSpPr>
+          <p:sp useBgFill="1">
+            <p:nvSpPr>
+              <p:cNvPr id="29" name="矩形 22"/>
+              <p:cNvSpPr/>
+              <p:nvPr/>
+            </p:nvSpPr>
+            <p:spPr>
+              <a:xfrm rot="18820385">
+                <a:off x="3385465" y="1905476"/>
+                <a:ext cx="555908" cy="377846"/>
+              </a:xfrm>
+              <a:prstGeom prst="rect">
+                <a:avLst/>
+              </a:prstGeom>
+              <a:ln>
+                <a:noFill/>
+              </a:ln>
+              <a:effectLst/>
+            </p:spPr>
+            <p:style>
+              <a:lnRef idx="2">
+                <a:schemeClr val="accent1">
+                  <a:shade val="50000"/>
+                </a:schemeClr>
+              </a:lnRef>
+              <a:fillRef idx="1">
+                <a:schemeClr val="accent1"/>
+              </a:fillRef>
+              <a:effectRef idx="0">
+                <a:schemeClr val="accent1"/>
+              </a:effectRef>
+              <a:fontRef idx="minor">
+                <a:schemeClr val="lt1"/>
+              </a:fontRef>
+            </p:style>
+            <p:txBody>
+              <a:bodyPr rtlCol="0" anchor="ctr"/>
+              <a:lstStyle/>
+              <a:p>
+                <a:pPr algn="ctr"/>
+                <a:endParaRPr lang="zh-CN" altLang="en-US"/>
+              </a:p>
+            </p:txBody>
+          </p:sp>
+          <p:sp useBgFill="1">
+            <p:nvSpPr>
+              <p:cNvPr id="30" name="矩形 23"/>
+              <p:cNvSpPr/>
+              <p:nvPr/>
+            </p:nvSpPr>
+            <p:spPr>
+              <a:xfrm rot="18722618" flipV="1">
+                <a:off x="3153806" y="1926571"/>
+                <a:ext cx="760969" cy="105139"/>
+              </a:xfrm>
+              <a:prstGeom prst="rect">
+                <a:avLst/>
+              </a:prstGeom>
+              <a:ln>
+                <a:noFill/>
+              </a:ln>
+              <a:effectLst>
+                <a:outerShdw blurRad="50800" dist="38100" dir="13500000" algn="br" rotWithShape="0">
+                  <a:prstClr val="black">
+                    <a:alpha val="30000"/>
+                  </a:prstClr>
+                </a:outerShdw>
+              </a:effectLst>
+            </p:spPr>
+            <p:style>
+              <a:lnRef idx="2">
+                <a:schemeClr val="accent1">
+                  <a:shade val="50000"/>
+                </a:schemeClr>
+              </a:lnRef>
+              <a:fillRef idx="1">
+                <a:schemeClr val="accent1"/>
+              </a:fillRef>
+              <a:effectRef idx="0">
+                <a:schemeClr val="accent1"/>
+              </a:effectRef>
+              <a:fontRef idx="minor">
+                <a:schemeClr val="lt1"/>
+              </a:fontRef>
+            </p:style>
+            <p:txBody>
+              <a:bodyPr rtlCol="0" anchor="ctr"/>
+              <a:lstStyle/>
+              <a:p>
+                <a:pPr algn="ctr"/>
+                <a:endParaRPr lang="zh-CN" altLang="en-US"/>
+              </a:p>
+            </p:txBody>
+          </p:sp>
+        </p:grpSp>
+        <p:sp>
+          <p:nvSpPr>
+            <p:cNvPr id="28" name="文本框 24"/>
+            <p:cNvSpPr txBox="1"/>
+            <p:nvPr/>
+          </p:nvSpPr>
+          <p:spPr>
+            <a:xfrm>
+              <a:off x="2319526" y="1481595"/>
+              <a:ext cx="4839262" cy="369332"/>
+            </a:xfrm>
+            <a:prstGeom prst="rect">
+              <a:avLst/>
+            </a:prstGeom>
+            <a:noFill/>
+          </p:spPr>
+          <p:txBody>
+            <a:bodyPr wrap="square" rtlCol="0">
+              <a:spAutoFit/>
+            </a:bodyPr>
+            <a:lstStyle/>
+            <a:p>
+              <a:pPr algn="ctr"/>
+              <a:r>
+                <a:rPr lang="en-US" altLang="zh-CN" b="1" dirty="0" smtClean="0">
+                  <a:latin typeface="Times New Roman" charset="0"/>
+                  <a:ea typeface="Times New Roman" charset="0"/>
+                  <a:cs typeface="Times New Roman" charset="0"/>
+                </a:rPr>
                 <a:t>HƯỚNG PHÁT TRIỂN</a:t>
               </a:r>
               <a:endParaRPr lang="zh-CN" altLang="en-US" b="1" dirty="0">
@@ -6889,7 +8513,7 @@
 </p:sld>
 </file>
 
-<file path=ppt/slides/slide12.xml><?xml version="1.0" encoding="utf-8"?>
+<file path=ppt/slides/slide14.xml><?xml version="1.0" encoding="utf-8"?>
 <p:sld xmlns:a="http://schemas.openxmlformats.org/drawingml/2006/main" xmlns:r="http://schemas.openxmlformats.org/officeDocument/2006/relationships" xmlns:p="http://schemas.openxmlformats.org/presentationml/2006/main">
   <p:cSld>
     <p:spTree>
@@ -7496,8 +9120,8 @@
         </p:nvSpPr>
         <p:spPr>
           <a:xfrm>
-            <a:off x="5421194" y="4035627"/>
-            <a:ext cx="1345670" cy="646331"/>
+            <a:off x="5702629" y="4306632"/>
+            <a:ext cx="707463" cy="276999"/>
           </a:xfrm>
           <a:prstGeom prst="rect">
             <a:avLst/>
@@ -7510,7 +9134,7 @@
           <a:lstStyle/>
           <a:p>
             <a:r>
-              <a:rPr lang="vi-VN" sz="1200" b="1" dirty="0">
+              <a:rPr lang="en-US" sz="1200" b="1" dirty="0" smtClean="0">
                 <a:solidFill>
                   <a:schemeClr val="bg1"/>
                 </a:solidFill>
@@ -7518,18 +9142,7 @@
                 <a:ea typeface="Times New Roman" charset="0"/>
                 <a:cs typeface="Times New Roman" charset="0"/>
               </a:rPr>
-              <a:t>KẾT LUẬN VÀ HƯỚNG PHÁT TRIỂN</a:t>
-            </a:r>
-            <a:r>
-              <a:rPr lang="en-US" sz="1200" dirty="0">
-                <a:solidFill>
-                  <a:schemeClr val="bg1"/>
-                </a:solidFill>
-                <a:latin typeface="Times New Roman" charset="0"/>
-                <a:ea typeface="Times New Roman" charset="0"/>
-                <a:cs typeface="Times New Roman" charset="0"/>
-              </a:rPr>
-              <a:t> </a:t>
+              <a:t>DEMO</a:t>
             </a:r>
             <a:endParaRPr lang="zh-CN" altLang="en-US" sz="1200" dirty="0">
               <a:solidFill>
@@ -7557,7 +9170,7 @@
           <p:nvPr/>
         </p:nvPicPr>
         <p:blipFill>
-          <a:blip r:embed="rId2"/>
+          <a:blip r:embed="rId3"/>
           <a:stretch>
             <a:fillRect/>
           </a:stretch>
@@ -7581,7 +9194,7 @@
           <p:nvPr/>
         </p:nvPicPr>
         <p:blipFill>
-          <a:blip r:embed="rId3"/>
+          <a:blip r:embed="rId4"/>
           <a:stretch>
             <a:fillRect/>
           </a:stretch>
@@ -8758,8 +10371,8 @@
         </p:nvSpPr>
         <p:spPr>
           <a:xfrm>
-            <a:off x="1221377" y="1653092"/>
-            <a:ext cx="2180764" cy="276999"/>
+            <a:off x="1012004" y="1618617"/>
+            <a:ext cx="2599509" cy="338554"/>
           </a:xfrm>
           <a:prstGeom prst="rect">
             <a:avLst/>
@@ -8780,14 +10393,14 @@
           </a:lstStyle>
           <a:p>
             <a:r>
-              <a:rPr lang="en-US" altLang="zh-CN" b="1" dirty="0">
+              <a:rPr lang="en-US" altLang="zh-CN" sz="1600" b="1" dirty="0">
                 <a:latin typeface="Times New Roman" charset="0"/>
                 <a:ea typeface="Times New Roman" charset="0"/>
                 <a:cs typeface="Times New Roman" charset="0"/>
               </a:rPr>
               <a:t>KHÔNG NHỚ TỪ VỰNG</a:t>
             </a:r>
-            <a:endParaRPr lang="zh-CN" altLang="en-US" b="1" dirty="0">
+            <a:endParaRPr lang="zh-CN" altLang="en-US" sz="1600" b="1" dirty="0">
               <a:latin typeface="Times New Roman" charset="0"/>
               <a:ea typeface="Times New Roman" charset="0"/>
               <a:cs typeface="Times New Roman" charset="0"/>
@@ -8803,8 +10416,8 @@
         </p:nvSpPr>
         <p:spPr>
           <a:xfrm>
-            <a:off x="6555099" y="1653091"/>
-            <a:ext cx="1193353" cy="276999"/>
+            <a:off x="6363510" y="1621728"/>
+            <a:ext cx="1576530" cy="338554"/>
           </a:xfrm>
           <a:prstGeom prst="rect">
             <a:avLst/>
@@ -8818,7 +10431,7 @@
           <a:lstStyle/>
           <a:p>
             <a:r>
-              <a:rPr lang="en-US" altLang="zh-CN" sz="1200" b="1" dirty="0" smtClean="0">
+              <a:rPr lang="en-US" altLang="zh-CN" sz="1600" b="1" dirty="0" smtClean="0">
                 <a:latin typeface="Times New Roman" charset="0"/>
                 <a:ea typeface="Times New Roman" charset="0"/>
                 <a:cs typeface="Times New Roman" charset="0"/>
@@ -8826,14 +10439,14 @@
               <a:t>PHÁT ÂM </a:t>
             </a:r>
             <a:r>
-              <a:rPr lang="en-US" altLang="zh-CN" sz="1200" b="1" dirty="0" smtClean="0">
+              <a:rPr lang="en-US" altLang="zh-CN" sz="1600" b="1" dirty="0" smtClean="0">
                 <a:latin typeface="Times New Roman" charset="0"/>
                 <a:ea typeface="Times New Roman" charset="0"/>
                 <a:cs typeface="Times New Roman" charset="0"/>
               </a:rPr>
               <a:t>SAI</a:t>
             </a:r>
-            <a:endParaRPr lang="zh-CN" altLang="en-US" sz="1200" b="1" dirty="0">
+            <a:endParaRPr lang="zh-CN" altLang="en-US" sz="1600" b="1" dirty="0">
               <a:latin typeface="Times New Roman" charset="0"/>
               <a:ea typeface="Times New Roman" charset="0"/>
               <a:cs typeface="Times New Roman" charset="0"/>
@@ -8849,8 +10462,8 @@
         </p:nvSpPr>
         <p:spPr>
           <a:xfrm>
-            <a:off x="1119865" y="4977847"/>
-            <a:ext cx="2383788" cy="461665"/>
+            <a:off x="1065934" y="4941821"/>
+            <a:ext cx="2491648" cy="584775"/>
           </a:xfrm>
           <a:prstGeom prst="rect">
             <a:avLst/>
@@ -8864,14 +10477,14 @@
           <a:lstStyle/>
           <a:p>
             <a:r>
-              <a:rPr lang="en-US" altLang="zh-CN" sz="1200" b="1" dirty="0" smtClean="0">
+              <a:rPr lang="en-US" altLang="zh-CN" sz="1600" b="1" dirty="0" smtClean="0">
                 <a:latin typeface="Times New Roman" charset="0"/>
                 <a:ea typeface="Times New Roman" charset="0"/>
                 <a:cs typeface="Times New Roman" charset="0"/>
               </a:rPr>
               <a:t>ÍT CƠ HỘI ĐƯỢC GIAO TIẾP, THỰC HÀNH</a:t>
             </a:r>
-            <a:endParaRPr lang="zh-CN" altLang="en-US" sz="1200" b="1" dirty="0">
+            <a:endParaRPr lang="zh-CN" altLang="en-US" sz="1600" b="1" dirty="0">
               <a:latin typeface="Times New Roman" charset="0"/>
               <a:ea typeface="Times New Roman" charset="0"/>
               <a:cs typeface="Times New Roman" charset="0"/>
@@ -8887,8 +10500,8 @@
         </p:nvSpPr>
         <p:spPr>
           <a:xfrm>
-            <a:off x="5855400" y="5070179"/>
-            <a:ext cx="2592750" cy="276999"/>
+            <a:off x="6050643" y="4941821"/>
+            <a:ext cx="2592750" cy="584775"/>
           </a:xfrm>
           <a:prstGeom prst="rect">
             <a:avLst/>
@@ -8902,14 +10515,14 @@
           <a:lstStyle/>
           <a:p>
             <a:r>
-              <a:rPr lang="en-US" altLang="zh-CN" sz="1200" b="1" dirty="0" smtClean="0">
+              <a:rPr lang="en-US" altLang="zh-CN" sz="1600" b="1" dirty="0" smtClean="0">
                 <a:latin typeface="Times New Roman" charset="0"/>
                 <a:ea typeface="Times New Roman" charset="0"/>
                 <a:cs typeface="Times New Roman" charset="0"/>
               </a:rPr>
               <a:t>TRẺ EM ĐƯỢC TIẾP XÚC MUỘN</a:t>
             </a:r>
-            <a:endParaRPr lang="zh-CN" altLang="en-US" sz="1200" b="1" dirty="0">
+            <a:endParaRPr lang="zh-CN" altLang="en-US" sz="1600" b="1" dirty="0">
               <a:latin typeface="Times New Roman" charset="0"/>
               <a:ea typeface="Times New Roman" charset="0"/>
               <a:cs typeface="Times New Roman" charset="0"/>
@@ -15609,4 +17222,265 @@
     </a:ext>
   </a:extLst>
 </a:theme>
+</file>
+
+<file path=ppt/theme/theme2.xml><?xml version="1.0" encoding="utf-8"?>
+<a:theme xmlns:a="http://schemas.openxmlformats.org/drawingml/2006/main" name="Office Theme">
+  <a:themeElements>
+    <a:clrScheme name="Office">
+      <a:dk1>
+        <a:sysClr val="windowText" lastClr="000000"/>
+      </a:dk1>
+      <a:lt1>
+        <a:sysClr val="window" lastClr="FFFFFF"/>
+      </a:lt1>
+      <a:dk2>
+        <a:srgbClr val="44546A"/>
+      </a:dk2>
+      <a:lt2>
+        <a:srgbClr val="E7E6E6"/>
+      </a:lt2>
+      <a:accent1>
+        <a:srgbClr val="5B9BD5"/>
+      </a:accent1>
+      <a:accent2>
+        <a:srgbClr val="ED7D31"/>
+      </a:accent2>
+      <a:accent3>
+        <a:srgbClr val="A5A5A5"/>
+      </a:accent3>
+      <a:accent4>
+        <a:srgbClr val="FFC000"/>
+      </a:accent4>
+      <a:accent5>
+        <a:srgbClr val="4472C4"/>
+      </a:accent5>
+      <a:accent6>
+        <a:srgbClr val="70AD47"/>
+      </a:accent6>
+      <a:hlink>
+        <a:srgbClr val="0563C1"/>
+      </a:hlink>
+      <a:folHlink>
+        <a:srgbClr val="954F72"/>
+      </a:folHlink>
+    </a:clrScheme>
+    <a:fontScheme name="Office">
+      <a:majorFont>
+        <a:latin typeface="Calibri Light" panose="020F0302020204030204"/>
+        <a:ea typeface=""/>
+        <a:cs typeface=""/>
+        <a:font script="Jpan" typeface="Yu Gothic Light"/>
+        <a:font script="Hang" typeface="맑은 고딕"/>
+        <a:font script="Hans" typeface="DengXian Light"/>
+        <a:font script="Hant" typeface="新細明體"/>
+        <a:font script="Arab" typeface="Times New Roman"/>
+        <a:font script="Hebr" typeface="Times New Roman"/>
+        <a:font script="Thai" typeface="Angsana New"/>
+        <a:font script="Ethi" typeface="Nyala"/>
+        <a:font script="Beng" typeface="Vrinda"/>
+        <a:font script="Gujr" typeface="Shruti"/>
+        <a:font script="Khmr" typeface="MoolBoran"/>
+        <a:font script="Knda" typeface="Tunga"/>
+        <a:font script="Guru" typeface="Raavi"/>
+        <a:font script="Cans" typeface="Euphemia"/>
+        <a:font script="Cher" typeface="Plantagenet Cherokee"/>
+        <a:font script="Yiii" typeface="Microsoft Yi Baiti"/>
+        <a:font script="Tibt" typeface="Microsoft Himalaya"/>
+        <a:font script="Thaa" typeface="MV Boli"/>
+        <a:font script="Deva" typeface="Mangal"/>
+        <a:font script="Telu" typeface="Gautami"/>
+        <a:font script="Taml" typeface="Latha"/>
+        <a:font script="Syrc" typeface="Estrangelo Edessa"/>
+        <a:font script="Orya" typeface="Kalinga"/>
+        <a:font script="Mlym" typeface="Kartika"/>
+        <a:font script="Laoo" typeface="DokChampa"/>
+        <a:font script="Sinh" typeface="Iskoola Pota"/>
+        <a:font script="Mong" typeface="Mongolian Baiti"/>
+        <a:font script="Viet" typeface="Times New Roman"/>
+        <a:font script="Uigh" typeface="Microsoft Uighur"/>
+        <a:font script="Geor" typeface="Sylfaen"/>
+      </a:majorFont>
+      <a:minorFont>
+        <a:latin typeface="Calibri" panose="020F0502020204030204"/>
+        <a:ea typeface=""/>
+        <a:cs typeface=""/>
+        <a:font script="Jpan" typeface="Yu Gothic"/>
+        <a:font script="Hang" typeface="맑은 고딕"/>
+        <a:font script="Hans" typeface="DengXian"/>
+        <a:font script="Hant" typeface="新細明體"/>
+        <a:font script="Arab" typeface="Arial"/>
+        <a:font script="Hebr" typeface="Arial"/>
+        <a:font script="Thai" typeface="Cordia New"/>
+        <a:font script="Ethi" typeface="Nyala"/>
+        <a:font script="Beng" typeface="Vrinda"/>
+        <a:font script="Gujr" typeface="Shruti"/>
+        <a:font script="Khmr" typeface="DaunPenh"/>
+        <a:font script="Knda" typeface="Tunga"/>
+        <a:font script="Guru" typeface="Raavi"/>
+        <a:font script="Cans" typeface="Euphemia"/>
+        <a:font script="Cher" typeface="Plantagenet Cherokee"/>
+        <a:font script="Yiii" typeface="Microsoft Yi Baiti"/>
+        <a:font script="Tibt" typeface="Microsoft Himalaya"/>
+        <a:font script="Thaa" typeface="MV Boli"/>
+        <a:font script="Deva" typeface="Mangal"/>
+        <a:font script="Telu" typeface="Gautami"/>
+        <a:font script="Taml" typeface="Latha"/>
+        <a:font script="Syrc" typeface="Estrangelo Edessa"/>
+        <a:font script="Orya" typeface="Kalinga"/>
+        <a:font script="Mlym" typeface="Kartika"/>
+        <a:font script="Laoo" typeface="DokChampa"/>
+        <a:font script="Sinh" typeface="Iskoola Pota"/>
+        <a:font script="Mong" typeface="Mongolian Baiti"/>
+        <a:font script="Viet" typeface="Arial"/>
+        <a:font script="Uigh" typeface="Microsoft Uighur"/>
+        <a:font script="Geor" typeface="Sylfaen"/>
+      </a:minorFont>
+    </a:fontScheme>
+    <a:fmtScheme name="Office">
+      <a:fillStyleLst>
+        <a:solidFill>
+          <a:schemeClr val="phClr"/>
+        </a:solidFill>
+        <a:gradFill rotWithShape="1">
+          <a:gsLst>
+            <a:gs pos="0">
+              <a:schemeClr val="phClr">
+                <a:lumMod val="110000"/>
+                <a:satMod val="105000"/>
+                <a:tint val="67000"/>
+              </a:schemeClr>
+            </a:gs>
+            <a:gs pos="50000">
+              <a:schemeClr val="phClr">
+                <a:lumMod val="105000"/>
+                <a:satMod val="103000"/>
+                <a:tint val="73000"/>
+              </a:schemeClr>
+            </a:gs>
+            <a:gs pos="100000">
+              <a:schemeClr val="phClr">
+                <a:lumMod val="105000"/>
+                <a:satMod val="109000"/>
+                <a:tint val="81000"/>
+              </a:schemeClr>
+            </a:gs>
+          </a:gsLst>
+          <a:lin ang="5400000" scaled="0"/>
+        </a:gradFill>
+        <a:gradFill rotWithShape="1">
+          <a:gsLst>
+            <a:gs pos="0">
+              <a:schemeClr val="phClr">
+                <a:satMod val="103000"/>
+                <a:lumMod val="102000"/>
+                <a:tint val="94000"/>
+              </a:schemeClr>
+            </a:gs>
+            <a:gs pos="50000">
+              <a:schemeClr val="phClr">
+                <a:satMod val="110000"/>
+                <a:lumMod val="100000"/>
+                <a:shade val="100000"/>
+              </a:schemeClr>
+            </a:gs>
+            <a:gs pos="100000">
+              <a:schemeClr val="phClr">
+                <a:lumMod val="99000"/>
+                <a:satMod val="120000"/>
+                <a:shade val="78000"/>
+              </a:schemeClr>
+            </a:gs>
+          </a:gsLst>
+          <a:lin ang="5400000" scaled="0"/>
+        </a:gradFill>
+      </a:fillStyleLst>
+      <a:lnStyleLst>
+        <a:ln w="6350" cap="flat" cmpd="sng" algn="ctr">
+          <a:solidFill>
+            <a:schemeClr val="phClr"/>
+          </a:solidFill>
+          <a:prstDash val="solid"/>
+          <a:miter lim="800000"/>
+        </a:ln>
+        <a:ln w="12700" cap="flat" cmpd="sng" algn="ctr">
+          <a:solidFill>
+            <a:schemeClr val="phClr"/>
+          </a:solidFill>
+          <a:prstDash val="solid"/>
+          <a:miter lim="800000"/>
+        </a:ln>
+        <a:ln w="19050" cap="flat" cmpd="sng" algn="ctr">
+          <a:solidFill>
+            <a:schemeClr val="phClr"/>
+          </a:solidFill>
+          <a:prstDash val="solid"/>
+          <a:miter lim="800000"/>
+        </a:ln>
+      </a:lnStyleLst>
+      <a:effectStyleLst>
+        <a:effectStyle>
+          <a:effectLst/>
+        </a:effectStyle>
+        <a:effectStyle>
+          <a:effectLst/>
+        </a:effectStyle>
+        <a:effectStyle>
+          <a:effectLst>
+            <a:outerShdw blurRad="57150" dist="19050" dir="5400000" algn="ctr" rotWithShape="0">
+              <a:srgbClr val="000000">
+                <a:alpha val="63000"/>
+              </a:srgbClr>
+            </a:outerShdw>
+          </a:effectLst>
+        </a:effectStyle>
+      </a:effectStyleLst>
+      <a:bgFillStyleLst>
+        <a:solidFill>
+          <a:schemeClr val="phClr"/>
+        </a:solidFill>
+        <a:solidFill>
+          <a:schemeClr val="phClr">
+            <a:tint val="95000"/>
+            <a:satMod val="170000"/>
+          </a:schemeClr>
+        </a:solidFill>
+        <a:gradFill rotWithShape="1">
+          <a:gsLst>
+            <a:gs pos="0">
+              <a:schemeClr val="phClr">
+                <a:tint val="93000"/>
+                <a:satMod val="150000"/>
+                <a:shade val="98000"/>
+                <a:lumMod val="102000"/>
+              </a:schemeClr>
+            </a:gs>
+            <a:gs pos="50000">
+              <a:schemeClr val="phClr">
+                <a:tint val="98000"/>
+                <a:satMod val="130000"/>
+                <a:shade val="90000"/>
+                <a:lumMod val="103000"/>
+              </a:schemeClr>
+            </a:gs>
+            <a:gs pos="100000">
+              <a:schemeClr val="phClr">
+                <a:shade val="63000"/>
+                <a:satMod val="120000"/>
+              </a:schemeClr>
+            </a:gs>
+          </a:gsLst>
+          <a:lin ang="5400000" scaled="0"/>
+        </a:gradFill>
+      </a:bgFillStyleLst>
+    </a:fmtScheme>
+  </a:themeElements>
+  <a:objectDefaults/>
+  <a:extraClrSchemeLst/>
+  <a:extLst>
+    <a:ext uri="{05A4C25C-085E-4340-85A3-A5531E510DB2}">
+      <thm15:themeFamily xmlns:thm15="http://schemas.microsoft.com/office/thememl/2012/main" name="Office Theme" id="{62F939B6-93AF-4DB8-9C6B-D6C7DFDC589F}" vid="{4A3C46E8-61CC-4603-A589-7422A47A8E4A}"/>
+    </a:ext>
+  </a:extLst>
+</a:theme>
 </file>
--- a/Englishor/Doc/DoAnPP.pptx
+++ b/Englishor/Doc/DoAnPP.pptx
@@ -221,7 +221,7 @@
           <a:p>
             <a:fld id="{CE5D1F34-D2ED-9547-944A-932D204C5252}" type="datetimeFigureOut">
               <a:rPr lang="en-US" smtClean="0"/>
-              <a:t>12/24/18</a:t>
+              <a:t>12/25/18</a:t>
             </a:fld>
             <a:endParaRPr lang="en-US"/>
           </a:p>
@@ -5017,7 +5017,7 @@
           <p:cNvPr id="13" name="Picture 12">
             <a:extLst>
               <a:ext uri="{FF2B5EF4-FFF2-40B4-BE49-F238E27FC236}">
-                <a16:creationId xmlns:a16="http://schemas.microsoft.com/office/drawing/2014/main" xmlns="" id="{7C9B4CD5-0A1D-5A4D-9B48-CC637B8B4666}"/>
+                <a16:creationId xmlns="" xmlns:a16="http://schemas.microsoft.com/office/drawing/2014/main" id="{7C9B4CD5-0A1D-5A4D-9B48-CC637B8B4666}"/>
               </a:ext>
             </a:extLst>
           </p:cNvPr>
@@ -5573,8 +5573,109 @@
                 <a:ea typeface="Times New Roman" charset="0"/>
                 <a:cs typeface="Times New Roman" charset="0"/>
               </a:rPr>
-              <a:t>Speech</a:t>
-            </a:r>
+              <a:t>Speech: </a:t>
+            </a:r>
+            <a:r>
+              <a:rPr lang="en-US" altLang="zh-CN" b="1" dirty="0" err="1" smtClean="0">
+                <a:latin typeface="Times New Roman" charset="0"/>
+                <a:ea typeface="Times New Roman" charset="0"/>
+                <a:cs typeface="Times New Roman" charset="0"/>
+              </a:rPr>
+              <a:t>dùng</a:t>
+            </a:r>
+            <a:r>
+              <a:rPr lang="en-US" altLang="zh-CN" b="1" dirty="0" smtClean="0">
+                <a:latin typeface="Times New Roman" charset="0"/>
+                <a:ea typeface="Times New Roman" charset="0"/>
+                <a:cs typeface="Times New Roman" charset="0"/>
+              </a:rPr>
+              <a:t> </a:t>
+            </a:r>
+            <a:r>
+              <a:rPr lang="en-US" altLang="zh-CN" b="1" dirty="0" err="1" smtClean="0">
+                <a:latin typeface="Times New Roman" charset="0"/>
+                <a:ea typeface="Times New Roman" charset="0"/>
+                <a:cs typeface="Times New Roman" charset="0"/>
+              </a:rPr>
+              <a:t>để</a:t>
+            </a:r>
+            <a:r>
+              <a:rPr lang="en-US" altLang="zh-CN" b="1" dirty="0" smtClean="0">
+                <a:latin typeface="Times New Roman" charset="0"/>
+                <a:ea typeface="Times New Roman" charset="0"/>
+                <a:cs typeface="Times New Roman" charset="0"/>
+              </a:rPr>
+              <a:t> </a:t>
+            </a:r>
+            <a:r>
+              <a:rPr lang="en-US" altLang="zh-CN" b="1" dirty="0" err="1" smtClean="0">
+                <a:latin typeface="Times New Roman" charset="0"/>
+                <a:ea typeface="Times New Roman" charset="0"/>
+                <a:cs typeface="Times New Roman" charset="0"/>
+              </a:rPr>
+              <a:t>nhận</a:t>
+            </a:r>
+            <a:r>
+              <a:rPr lang="en-US" altLang="zh-CN" b="1" dirty="0" smtClean="0">
+                <a:latin typeface="Times New Roman" charset="0"/>
+                <a:ea typeface="Times New Roman" charset="0"/>
+                <a:cs typeface="Times New Roman" charset="0"/>
+              </a:rPr>
+              <a:t> </a:t>
+            </a:r>
+            <a:r>
+              <a:rPr lang="en-US" altLang="zh-CN" b="1" dirty="0" err="1" smtClean="0">
+                <a:latin typeface="Times New Roman" charset="0"/>
+                <a:ea typeface="Times New Roman" charset="0"/>
+                <a:cs typeface="Times New Roman" charset="0"/>
+              </a:rPr>
+              <a:t>dạng</a:t>
+            </a:r>
+            <a:r>
+              <a:rPr lang="en-US" altLang="zh-CN" b="1" dirty="0" smtClean="0">
+                <a:latin typeface="Times New Roman" charset="0"/>
+                <a:ea typeface="Times New Roman" charset="0"/>
+                <a:cs typeface="Times New Roman" charset="0"/>
+              </a:rPr>
+              <a:t> </a:t>
+            </a:r>
+            <a:r>
+              <a:rPr lang="en-US" altLang="zh-CN" b="1" dirty="0" err="1" smtClean="0">
+                <a:latin typeface="Times New Roman" charset="0"/>
+                <a:ea typeface="Times New Roman" charset="0"/>
+                <a:cs typeface="Times New Roman" charset="0"/>
+              </a:rPr>
+              <a:t>giọng</a:t>
+            </a:r>
+            <a:r>
+              <a:rPr lang="en-US" altLang="zh-CN" b="1" dirty="0" smtClean="0">
+                <a:latin typeface="Times New Roman" charset="0"/>
+                <a:ea typeface="Times New Roman" charset="0"/>
+                <a:cs typeface="Times New Roman" charset="0"/>
+              </a:rPr>
+              <a:t> </a:t>
+            </a:r>
+            <a:r>
+              <a:rPr lang="en-US" altLang="zh-CN" b="1" dirty="0" err="1" smtClean="0">
+                <a:latin typeface="Times New Roman" charset="0"/>
+                <a:ea typeface="Times New Roman" charset="0"/>
+                <a:cs typeface="Times New Roman" charset="0"/>
+              </a:rPr>
+              <a:t>nói</a:t>
+            </a:r>
+            <a:r>
+              <a:rPr lang="en-US" altLang="zh-CN" b="1" dirty="0" smtClean="0">
+                <a:latin typeface="Times New Roman" charset="0"/>
+                <a:ea typeface="Times New Roman" charset="0"/>
+                <a:cs typeface="Times New Roman" charset="0"/>
+              </a:rPr>
+              <a:t> (speech to text)</a:t>
+            </a:r>
+            <a:endParaRPr lang="en-US" altLang="zh-CN" b="1" dirty="0" smtClean="0">
+              <a:latin typeface="Times New Roman" charset="0"/>
+              <a:ea typeface="Times New Roman" charset="0"/>
+              <a:cs typeface="Times New Roman" charset="0"/>
+            </a:endParaRPr>
           </a:p>
           <a:p>
             <a:pPr marL="285750" indent="-285750">
@@ -5594,6 +5695,126 @@
                 <a:cs typeface="Times New Roman" charset="0"/>
               </a:rPr>
               <a:t>AVFoundation</a:t>
+            </a:r>
+            <a:r>
+              <a:rPr lang="en-US" altLang="zh-CN" b="1" dirty="0" smtClean="0">
+                <a:latin typeface="Times New Roman" charset="0"/>
+                <a:ea typeface="Times New Roman" charset="0"/>
+                <a:cs typeface="Times New Roman" charset="0"/>
+              </a:rPr>
+              <a:t>: </a:t>
+            </a:r>
+            <a:r>
+              <a:rPr lang="en-US" altLang="zh-CN" b="1" dirty="0" err="1" smtClean="0">
+                <a:latin typeface="Times New Roman" charset="0"/>
+                <a:ea typeface="Times New Roman" charset="0"/>
+                <a:cs typeface="Times New Roman" charset="0"/>
+              </a:rPr>
+              <a:t>dùng</a:t>
+            </a:r>
+            <a:r>
+              <a:rPr lang="en-US" altLang="zh-CN" b="1" dirty="0" smtClean="0">
+                <a:latin typeface="Times New Roman" charset="0"/>
+                <a:ea typeface="Times New Roman" charset="0"/>
+                <a:cs typeface="Times New Roman" charset="0"/>
+              </a:rPr>
+              <a:t> </a:t>
+            </a:r>
+            <a:r>
+              <a:rPr lang="en-US" altLang="zh-CN" b="1" dirty="0" err="1" smtClean="0">
+                <a:latin typeface="Times New Roman" charset="0"/>
+                <a:ea typeface="Times New Roman" charset="0"/>
+                <a:cs typeface="Times New Roman" charset="0"/>
+              </a:rPr>
+              <a:t>để</a:t>
+            </a:r>
+            <a:r>
+              <a:rPr lang="en-US" altLang="zh-CN" b="1" dirty="0" smtClean="0">
+                <a:latin typeface="Times New Roman" charset="0"/>
+                <a:ea typeface="Times New Roman" charset="0"/>
+                <a:cs typeface="Times New Roman" charset="0"/>
+              </a:rPr>
+              <a:t> </a:t>
+            </a:r>
+            <a:r>
+              <a:rPr lang="en-US" altLang="zh-CN" b="1" dirty="0" err="1" smtClean="0">
+                <a:latin typeface="Times New Roman" charset="0"/>
+                <a:ea typeface="Times New Roman" charset="0"/>
+                <a:cs typeface="Times New Roman" charset="0"/>
+              </a:rPr>
+              <a:t>phát</a:t>
+            </a:r>
+            <a:r>
+              <a:rPr lang="en-US" altLang="zh-CN" b="1" dirty="0" smtClean="0">
+                <a:latin typeface="Times New Roman" charset="0"/>
+                <a:ea typeface="Times New Roman" charset="0"/>
+                <a:cs typeface="Times New Roman" charset="0"/>
+              </a:rPr>
+              <a:t> </a:t>
+            </a:r>
+            <a:r>
+              <a:rPr lang="en-US" altLang="zh-CN" b="1" dirty="0" err="1" smtClean="0">
+                <a:latin typeface="Times New Roman" charset="0"/>
+                <a:ea typeface="Times New Roman" charset="0"/>
+                <a:cs typeface="Times New Roman" charset="0"/>
+              </a:rPr>
+              <a:t>âm</a:t>
+            </a:r>
+            <a:r>
+              <a:rPr lang="en-US" altLang="zh-CN" b="1" dirty="0" smtClean="0">
+                <a:latin typeface="Times New Roman" charset="0"/>
+                <a:ea typeface="Times New Roman" charset="0"/>
+                <a:cs typeface="Times New Roman" charset="0"/>
+              </a:rPr>
+              <a:t> </a:t>
+            </a:r>
+            <a:r>
+              <a:rPr lang="en-US" altLang="zh-CN" b="1" dirty="0" err="1" smtClean="0">
+                <a:latin typeface="Times New Roman" charset="0"/>
+                <a:ea typeface="Times New Roman" charset="0"/>
+                <a:cs typeface="Times New Roman" charset="0"/>
+              </a:rPr>
+              <a:t>từ</a:t>
+            </a:r>
+            <a:r>
+              <a:rPr lang="en-US" altLang="zh-CN" b="1" dirty="0" smtClean="0">
+                <a:latin typeface="Times New Roman" charset="0"/>
+                <a:ea typeface="Times New Roman" charset="0"/>
+                <a:cs typeface="Times New Roman" charset="0"/>
+              </a:rPr>
+              <a:t> </a:t>
+            </a:r>
+            <a:r>
+              <a:rPr lang="en-US" altLang="zh-CN" b="1" dirty="0" err="1" smtClean="0">
+                <a:latin typeface="Times New Roman" charset="0"/>
+                <a:ea typeface="Times New Roman" charset="0"/>
+                <a:cs typeface="Times New Roman" charset="0"/>
+              </a:rPr>
+              <a:t>thiết</a:t>
+            </a:r>
+            <a:r>
+              <a:rPr lang="en-US" altLang="zh-CN" b="1" dirty="0" smtClean="0">
+                <a:latin typeface="Times New Roman" charset="0"/>
+                <a:ea typeface="Times New Roman" charset="0"/>
+                <a:cs typeface="Times New Roman" charset="0"/>
+              </a:rPr>
+              <a:t> </a:t>
+            </a:r>
+            <a:r>
+              <a:rPr lang="en-US" altLang="zh-CN" b="1" dirty="0" err="1" smtClean="0">
+                <a:latin typeface="Times New Roman" charset="0"/>
+                <a:ea typeface="Times New Roman" charset="0"/>
+                <a:cs typeface="Times New Roman" charset="0"/>
+              </a:rPr>
+              <a:t>bị</a:t>
+            </a:r>
+            <a:r>
+              <a:rPr lang="en-US" altLang="zh-CN" b="1" dirty="0" smtClean="0">
+                <a:latin typeface="Times New Roman" charset="0"/>
+                <a:ea typeface="Times New Roman" charset="0"/>
+                <a:cs typeface="Times New Roman" charset="0"/>
+              </a:rPr>
+              <a:t> (text to speech)</a:t>
             </a:r>
             <a:endParaRPr lang="en-US" altLang="zh-CN" b="1" dirty="0">
               <a:latin typeface="Times New Roman" charset="0"/>
@@ -5620,6 +5841,102 @@
               </a:rPr>
               <a:t>ApiAI</a:t>
             </a:r>
+            <a:r>
+              <a:rPr lang="en-US" altLang="zh-CN" b="1" dirty="0" smtClean="0">
+                <a:latin typeface="Times New Roman" charset="0"/>
+                <a:ea typeface="Times New Roman" charset="0"/>
+                <a:cs typeface="Times New Roman" charset="0"/>
+              </a:rPr>
+              <a:t>: </a:t>
+            </a:r>
+            <a:r>
+              <a:rPr lang="en-US" altLang="zh-CN" b="1" dirty="0" err="1" smtClean="0">
+                <a:latin typeface="Times New Roman" charset="0"/>
+                <a:ea typeface="Times New Roman" charset="0"/>
+                <a:cs typeface="Times New Roman" charset="0"/>
+              </a:rPr>
+              <a:t>dùng</a:t>
+            </a:r>
+            <a:r>
+              <a:rPr lang="en-US" altLang="zh-CN" b="1" dirty="0" smtClean="0">
+                <a:latin typeface="Times New Roman" charset="0"/>
+                <a:ea typeface="Times New Roman" charset="0"/>
+                <a:cs typeface="Times New Roman" charset="0"/>
+              </a:rPr>
+              <a:t> </a:t>
+            </a:r>
+            <a:r>
+              <a:rPr lang="en-US" altLang="zh-CN" b="1" dirty="0" err="1" smtClean="0">
+                <a:latin typeface="Times New Roman" charset="0"/>
+                <a:ea typeface="Times New Roman" charset="0"/>
+                <a:cs typeface="Times New Roman" charset="0"/>
+              </a:rPr>
+              <a:t>để</a:t>
+            </a:r>
+            <a:r>
+              <a:rPr lang="en-US" altLang="zh-CN" b="1" dirty="0" smtClean="0">
+                <a:latin typeface="Times New Roman" charset="0"/>
+                <a:ea typeface="Times New Roman" charset="0"/>
+                <a:cs typeface="Times New Roman" charset="0"/>
+              </a:rPr>
+              <a:t> </a:t>
+            </a:r>
+            <a:r>
+              <a:rPr lang="en-US" altLang="zh-CN" b="1" dirty="0" err="1" smtClean="0">
+                <a:latin typeface="Times New Roman" charset="0"/>
+                <a:ea typeface="Times New Roman" charset="0"/>
+                <a:cs typeface="Times New Roman" charset="0"/>
+              </a:rPr>
+              <a:t>giao</a:t>
+            </a:r>
+            <a:r>
+              <a:rPr lang="en-US" altLang="zh-CN" b="1" dirty="0" smtClean="0">
+                <a:latin typeface="Times New Roman" charset="0"/>
+                <a:ea typeface="Times New Roman" charset="0"/>
+                <a:cs typeface="Times New Roman" charset="0"/>
+              </a:rPr>
+              <a:t> </a:t>
+            </a:r>
+            <a:r>
+              <a:rPr lang="en-US" altLang="zh-CN" b="1" dirty="0" err="1" smtClean="0">
+                <a:latin typeface="Times New Roman" charset="0"/>
+                <a:ea typeface="Times New Roman" charset="0"/>
+                <a:cs typeface="Times New Roman" charset="0"/>
+              </a:rPr>
+              <a:t>tiếp</a:t>
+            </a:r>
+            <a:r>
+              <a:rPr lang="en-US" altLang="zh-CN" b="1" dirty="0" smtClean="0">
+                <a:latin typeface="Times New Roman" charset="0"/>
+                <a:ea typeface="Times New Roman" charset="0"/>
+                <a:cs typeface="Times New Roman" charset="0"/>
+              </a:rPr>
+              <a:t> </a:t>
+            </a:r>
+            <a:r>
+              <a:rPr lang="en-US" altLang="zh-CN" b="1" dirty="0" err="1" smtClean="0">
+                <a:latin typeface="Times New Roman" charset="0"/>
+                <a:ea typeface="Times New Roman" charset="0"/>
+                <a:cs typeface="Times New Roman" charset="0"/>
+              </a:rPr>
+              <a:t>với</a:t>
+            </a:r>
+            <a:r>
+              <a:rPr lang="en-US" altLang="zh-CN" b="1" dirty="0" smtClean="0">
+                <a:latin typeface="Times New Roman" charset="0"/>
+                <a:ea typeface="Times New Roman" charset="0"/>
+                <a:cs typeface="Times New Roman" charset="0"/>
+              </a:rPr>
+              <a:t> </a:t>
+            </a:r>
+            <a:r>
+              <a:rPr lang="en-US" altLang="zh-CN" b="1" dirty="0" err="1" smtClean="0">
+                <a:latin typeface="Times New Roman" charset="0"/>
+                <a:ea typeface="Times New Roman" charset="0"/>
+                <a:cs typeface="Times New Roman" charset="0"/>
+              </a:rPr>
+              <a:t>Dialogflow</a:t>
+            </a:r>
             <a:endParaRPr lang="en-US" altLang="zh-CN" b="1" dirty="0" smtClean="0">
               <a:latin typeface="Times New Roman" charset="0"/>
               <a:ea typeface="Times New Roman" charset="0"/>
@@ -5643,7 +5960,95 @@
                 <a:ea typeface="Times New Roman" charset="0"/>
                 <a:cs typeface="Times New Roman" charset="0"/>
               </a:rPr>
-              <a:t>SQLite</a:t>
+              <a:t>SQLite: </a:t>
+            </a:r>
+            <a:r>
+              <a:rPr lang="en-US" altLang="zh-CN" b="1" dirty="0" err="1" smtClean="0">
+                <a:latin typeface="Times New Roman" charset="0"/>
+                <a:ea typeface="Times New Roman" charset="0"/>
+                <a:cs typeface="Times New Roman" charset="0"/>
+              </a:rPr>
+              <a:t>kết</a:t>
+            </a:r>
+            <a:r>
+              <a:rPr lang="en-US" altLang="zh-CN" b="1" dirty="0" smtClean="0">
+                <a:latin typeface="Times New Roman" charset="0"/>
+                <a:ea typeface="Times New Roman" charset="0"/>
+                <a:cs typeface="Times New Roman" charset="0"/>
+              </a:rPr>
+              <a:t> </a:t>
+            </a:r>
+            <a:r>
+              <a:rPr lang="en-US" altLang="zh-CN" b="1" dirty="0" err="1" smtClean="0">
+                <a:latin typeface="Times New Roman" charset="0"/>
+                <a:ea typeface="Times New Roman" charset="0"/>
+                <a:cs typeface="Times New Roman" charset="0"/>
+              </a:rPr>
+              <a:t>nối</a:t>
+            </a:r>
+            <a:r>
+              <a:rPr lang="en-US" altLang="zh-CN" b="1" dirty="0" smtClean="0">
+                <a:latin typeface="Times New Roman" charset="0"/>
+                <a:ea typeface="Times New Roman" charset="0"/>
+                <a:cs typeface="Times New Roman" charset="0"/>
+              </a:rPr>
+              <a:t> </a:t>
+            </a:r>
+            <a:r>
+              <a:rPr lang="en-US" altLang="zh-CN" b="1" dirty="0" err="1" smtClean="0">
+                <a:latin typeface="Times New Roman" charset="0"/>
+                <a:ea typeface="Times New Roman" charset="0"/>
+                <a:cs typeface="Times New Roman" charset="0"/>
+              </a:rPr>
+              <a:t>cơ</a:t>
+            </a:r>
+            <a:r>
+              <a:rPr lang="en-US" altLang="zh-CN" b="1" dirty="0" smtClean="0">
+                <a:latin typeface="Times New Roman" charset="0"/>
+                <a:ea typeface="Times New Roman" charset="0"/>
+                <a:cs typeface="Times New Roman" charset="0"/>
+              </a:rPr>
+              <a:t> </a:t>
+            </a:r>
+            <a:r>
+              <a:rPr lang="en-US" altLang="zh-CN" b="1" dirty="0" err="1" smtClean="0">
+                <a:latin typeface="Times New Roman" charset="0"/>
+                <a:ea typeface="Times New Roman" charset="0"/>
+                <a:cs typeface="Times New Roman" charset="0"/>
+              </a:rPr>
+              <a:t>sở</a:t>
+            </a:r>
+            <a:r>
+              <a:rPr lang="en-US" altLang="zh-CN" b="1" dirty="0" smtClean="0">
+                <a:latin typeface="Times New Roman" charset="0"/>
+                <a:ea typeface="Times New Roman" charset="0"/>
+                <a:cs typeface="Times New Roman" charset="0"/>
+              </a:rPr>
+              <a:t> </a:t>
+            </a:r>
+            <a:r>
+              <a:rPr lang="en-US" altLang="zh-CN" b="1" dirty="0" err="1" smtClean="0">
+                <a:latin typeface="Times New Roman" charset="0"/>
+                <a:ea typeface="Times New Roman" charset="0"/>
+                <a:cs typeface="Times New Roman" charset="0"/>
+              </a:rPr>
+              <a:t>dữ</a:t>
+            </a:r>
+            <a:r>
+              <a:rPr lang="en-US" altLang="zh-CN" b="1" dirty="0" smtClean="0">
+                <a:latin typeface="Times New Roman" charset="0"/>
+                <a:ea typeface="Times New Roman" charset="0"/>
+                <a:cs typeface="Times New Roman" charset="0"/>
+              </a:rPr>
+              <a:t> </a:t>
+            </a:r>
+            <a:r>
+              <a:rPr lang="en-US" altLang="zh-CN" b="1" dirty="0" err="1" smtClean="0">
+                <a:latin typeface="Times New Roman" charset="0"/>
+                <a:ea typeface="Times New Roman" charset="0"/>
+                <a:cs typeface="Times New Roman" charset="0"/>
+              </a:rPr>
+              <a:t>liệu</a:t>
             </a:r>
             <a:endParaRPr lang="zh-CN" altLang="en-US" b="1" dirty="0">
               <a:latin typeface="Times New Roman" charset="0"/>
@@ -5658,7 +6063,7 @@
           <p:cNvPr id="22" name="Picture 21">
             <a:extLst>
               <a:ext uri="{FF2B5EF4-FFF2-40B4-BE49-F238E27FC236}">
-                <a16:creationId xmlns:a16="http://schemas.microsoft.com/office/drawing/2014/main" xmlns="" id="{7C9B4CD5-0A1D-5A4D-9B48-CC637B8B4666}"/>
+                <a16:creationId xmlns="" xmlns:a16="http://schemas.microsoft.com/office/drawing/2014/main" id="{7C9B4CD5-0A1D-5A4D-9B48-CC637B8B4666}"/>
               </a:ext>
             </a:extLst>
           </p:cNvPr>
@@ -6153,7 +6558,7 @@
           <p:cNvPr id="23" name="Picture 22">
             <a:extLst>
               <a:ext uri="{FF2B5EF4-FFF2-40B4-BE49-F238E27FC236}">
-                <a16:creationId xmlns:a16="http://schemas.microsoft.com/office/drawing/2014/main" xmlns="" id="{7C9B4CD5-0A1D-5A4D-9B48-CC637B8B4666}"/>
+                <a16:creationId xmlns="" xmlns:a16="http://schemas.microsoft.com/office/drawing/2014/main" id="{7C9B4CD5-0A1D-5A4D-9B48-CC637B8B4666}"/>
               </a:ext>
             </a:extLst>
           </p:cNvPr>
@@ -7401,7 +7806,7 @@
           <p:cNvPr id="22" name="Picture 21">
             <a:extLst>
               <a:ext uri="{FF2B5EF4-FFF2-40B4-BE49-F238E27FC236}">
-                <a16:creationId xmlns:a16="http://schemas.microsoft.com/office/drawing/2014/main" xmlns="" id="{7C9B4CD5-0A1D-5A4D-9B48-CC637B8B4666}"/>
+                <a16:creationId xmlns="" xmlns:a16="http://schemas.microsoft.com/office/drawing/2014/main" id="{7C9B4CD5-0A1D-5A4D-9B48-CC637B8B4666}"/>
               </a:ext>
             </a:extLst>
           </p:cNvPr>
@@ -8389,7 +8794,7 @@
           <p:cNvPr id="15" name="Picture 14">
             <a:extLst>
               <a:ext uri="{FF2B5EF4-FFF2-40B4-BE49-F238E27FC236}">
-                <a16:creationId xmlns:a16="http://schemas.microsoft.com/office/drawing/2014/main" xmlns="" id="{7C9B4CD5-0A1D-5A4D-9B48-CC637B8B4666}"/>
+                <a16:creationId xmlns="" xmlns:a16="http://schemas.microsoft.com/office/drawing/2014/main" id="{7C9B4CD5-0A1D-5A4D-9B48-CC637B8B4666}"/>
               </a:ext>
             </a:extLst>
           </p:cNvPr>
@@ -8602,7 +9007,7 @@
           <p:cNvPr id="4" name="Picture 3">
             <a:extLst>
               <a:ext uri="{FF2B5EF4-FFF2-40B4-BE49-F238E27FC236}">
-                <a16:creationId xmlns:a16="http://schemas.microsoft.com/office/drawing/2014/main" xmlns="" id="{7C9B4CD5-0A1D-5A4D-9B48-CC637B8B4666}"/>
+                <a16:creationId xmlns="" xmlns:a16="http://schemas.microsoft.com/office/drawing/2014/main" id="{7C9B4CD5-0A1D-5A4D-9B48-CC637B8B4666}"/>
               </a:ext>
             </a:extLst>
           </p:cNvPr>
@@ -9160,7 +9565,7 @@
           <p:cNvPr id="24" name="Picture 23">
             <a:extLst>
               <a:ext uri="{FF2B5EF4-FFF2-40B4-BE49-F238E27FC236}">
-                <a16:creationId xmlns:a16="http://schemas.microsoft.com/office/drawing/2014/main" xmlns="" id="{7C9B4CD5-0A1D-5A4D-9B48-CC637B8B4666}"/>
+                <a16:creationId xmlns="" xmlns:a16="http://schemas.microsoft.com/office/drawing/2014/main" id="{7C9B4CD5-0A1D-5A4D-9B48-CC637B8B4666}"/>
               </a:ext>
             </a:extLst>
           </p:cNvPr>
@@ -10338,7 +10743,7 @@
           <p:cNvPr id="21" name="Picture 20">
             <a:extLst>
               <a:ext uri="{FF2B5EF4-FFF2-40B4-BE49-F238E27FC236}">
-                <a16:creationId xmlns:a16="http://schemas.microsoft.com/office/drawing/2014/main" xmlns="" id="{7C9B4CD5-0A1D-5A4D-9B48-CC637B8B4666}"/>
+                <a16:creationId xmlns="" xmlns:a16="http://schemas.microsoft.com/office/drawing/2014/main" id="{7C9B4CD5-0A1D-5A4D-9B48-CC637B8B4666}"/>
               </a:ext>
             </a:extLst>
           </p:cNvPr>
@@ -10436,15 +10841,7 @@
                 <a:ea typeface="Times New Roman" charset="0"/>
                 <a:cs typeface="Times New Roman" charset="0"/>
               </a:rPr>
-              <a:t>PHÁT ÂM </a:t>
-            </a:r>
-            <a:r>
-              <a:rPr lang="en-US" altLang="zh-CN" sz="1600" b="1" dirty="0" smtClean="0">
-                <a:latin typeface="Times New Roman" charset="0"/>
-                <a:ea typeface="Times New Roman" charset="0"/>
-                <a:cs typeface="Times New Roman" charset="0"/>
-              </a:rPr>
-              <a:t>SAI</a:t>
+              <a:t>PHÁT ÂM SAI</a:t>
             </a:r>
             <a:endParaRPr lang="zh-CN" altLang="en-US" sz="1600" b="1" dirty="0">
               <a:latin typeface="Times New Roman" charset="0"/>
@@ -12052,7 +12449,7 @@
           <p:cNvPr id="81" name="Picture 80">
             <a:extLst>
               <a:ext uri="{FF2B5EF4-FFF2-40B4-BE49-F238E27FC236}">
-                <a16:creationId xmlns:a16="http://schemas.microsoft.com/office/drawing/2014/main" xmlns="" id="{7C9B4CD5-0A1D-5A4D-9B48-CC637B8B4666}"/>
+                <a16:creationId xmlns="" xmlns:a16="http://schemas.microsoft.com/office/drawing/2014/main" id="{7C9B4CD5-0A1D-5A4D-9B48-CC637B8B4666}"/>
               </a:ext>
             </a:extLst>
           </p:cNvPr>
@@ -13687,7 +14084,7 @@
           <p:cNvPr id="48" name="Picture 47">
             <a:extLst>
               <a:ext uri="{FF2B5EF4-FFF2-40B4-BE49-F238E27FC236}">
-                <a16:creationId xmlns:a16="http://schemas.microsoft.com/office/drawing/2014/main" xmlns="" id="{7C9B4CD5-0A1D-5A4D-9B48-CC637B8B4666}"/>
+                <a16:creationId xmlns="" xmlns:a16="http://schemas.microsoft.com/office/drawing/2014/main" id="{7C9B4CD5-0A1D-5A4D-9B48-CC637B8B4666}"/>
               </a:ext>
             </a:extLst>
           </p:cNvPr>
@@ -13712,6 +14109,140 @@
           </a:prstGeom>
         </p:spPr>
       </p:pic>
+      <p:pic>
+        <p:nvPicPr>
+          <p:cNvPr id="22" name="Picture 21"/>
+          <p:cNvPicPr>
+            <a:picLocks noChangeAspect="1"/>
+          </p:cNvPicPr>
+          <p:nvPr/>
+        </p:nvPicPr>
+        <p:blipFill>
+          <a:blip r:embed="rId4"/>
+          <a:stretch>
+            <a:fillRect/>
+          </a:stretch>
+        </p:blipFill>
+        <p:spPr>
+          <a:xfrm>
+            <a:off x="6178649" y="2304018"/>
+            <a:ext cx="2616200" cy="609600"/>
+          </a:xfrm>
+          <a:prstGeom prst="rect">
+            <a:avLst/>
+          </a:prstGeom>
+        </p:spPr>
+      </p:pic>
+      <p:sp>
+        <p:nvSpPr>
+          <p:cNvPr id="23" name="文本框 80"/>
+          <p:cNvSpPr txBox="1"/>
+          <p:nvPr/>
+        </p:nvSpPr>
+        <p:spPr>
+          <a:xfrm>
+            <a:off x="6368745" y="2424152"/>
+            <a:ext cx="2236008" cy="369332"/>
+          </a:xfrm>
+          <a:prstGeom prst="rect">
+            <a:avLst/>
+          </a:prstGeom>
+          <a:noFill/>
+        </p:spPr>
+        <p:txBody>
+          <a:bodyPr wrap="square" rtlCol="0">
+            <a:spAutoFit/>
+          </a:bodyPr>
+          <a:lstStyle/>
+          <a:p>
+            <a:r>
+              <a:rPr lang="en-US" dirty="0" err="1" smtClean="0">
+                <a:solidFill>
+                  <a:schemeClr val="bg1"/>
+                </a:solidFill>
+                <a:latin typeface="Times New Roman" charset="0"/>
+                <a:ea typeface="Times New Roman" charset="0"/>
+                <a:cs typeface="Times New Roman" charset="0"/>
+              </a:rPr>
+              <a:t>Dữ</a:t>
+            </a:r>
+            <a:r>
+              <a:rPr lang="en-US" dirty="0" smtClean="0">
+                <a:solidFill>
+                  <a:schemeClr val="bg1"/>
+                </a:solidFill>
+                <a:latin typeface="Times New Roman" charset="0"/>
+                <a:ea typeface="Times New Roman" charset="0"/>
+                <a:cs typeface="Times New Roman" charset="0"/>
+              </a:rPr>
+              <a:t> </a:t>
+            </a:r>
+            <a:r>
+              <a:rPr lang="en-US" dirty="0" err="1" smtClean="0">
+                <a:solidFill>
+                  <a:schemeClr val="bg1"/>
+                </a:solidFill>
+                <a:latin typeface="Times New Roman" charset="0"/>
+                <a:ea typeface="Times New Roman" charset="0"/>
+                <a:cs typeface="Times New Roman" charset="0"/>
+              </a:rPr>
+              <a:t>liệu</a:t>
+            </a:r>
+            <a:r>
+              <a:rPr lang="en-US" dirty="0" smtClean="0">
+                <a:solidFill>
+                  <a:schemeClr val="bg1"/>
+                </a:solidFill>
+                <a:latin typeface="Times New Roman" charset="0"/>
+                <a:ea typeface="Times New Roman" charset="0"/>
+                <a:cs typeface="Times New Roman" charset="0"/>
+              </a:rPr>
+              <a:t> </a:t>
+            </a:r>
+            <a:r>
+              <a:rPr lang="en-US" dirty="0" err="1" smtClean="0">
+                <a:solidFill>
+                  <a:schemeClr val="bg1"/>
+                </a:solidFill>
+                <a:latin typeface="Times New Roman" charset="0"/>
+                <a:ea typeface="Times New Roman" charset="0"/>
+                <a:cs typeface="Times New Roman" charset="0"/>
+              </a:rPr>
+              <a:t>đầu</a:t>
+            </a:r>
+            <a:r>
+              <a:rPr lang="en-US" dirty="0" smtClean="0">
+                <a:solidFill>
+                  <a:schemeClr val="bg1"/>
+                </a:solidFill>
+                <a:latin typeface="Times New Roman" charset="0"/>
+                <a:ea typeface="Times New Roman" charset="0"/>
+                <a:cs typeface="Times New Roman" charset="0"/>
+              </a:rPr>
+              <a:t> </a:t>
+            </a:r>
+            <a:r>
+              <a:rPr lang="en-US" dirty="0" err="1" smtClean="0">
+                <a:solidFill>
+                  <a:schemeClr val="bg1"/>
+                </a:solidFill>
+                <a:latin typeface="Times New Roman" charset="0"/>
+                <a:ea typeface="Times New Roman" charset="0"/>
+                <a:cs typeface="Times New Roman" charset="0"/>
+              </a:rPr>
+              <a:t>vào</a:t>
+            </a:r>
+            <a:endParaRPr lang="zh-CN" altLang="en-US" dirty="0">
+              <a:solidFill>
+                <a:schemeClr val="bg1"/>
+              </a:solidFill>
+              <a:latin typeface="Times New Roman" charset="0"/>
+              <a:ea typeface="Times New Roman" charset="0"/>
+              <a:cs typeface="Times New Roman" charset="0"/>
+            </a:endParaRPr>
+          </a:p>
+        </p:txBody>
+      </p:sp>
     </p:spTree>
     <p:extLst>
       <p:ext uri="{BB962C8B-B14F-4D97-AF65-F5344CB8AC3E}">
@@ -13809,7 +14340,7 @@
                                           </p:stCondLst>
                                         </p:cTn>
                                         <p:tgtEl>
-                                          <p:spTgt spid="41"/>
+                                          <p:spTgt spid="22"/>
                                         </p:tgtEl>
                                         <p:attrNameLst>
                                           <p:attrName>style.visibility</p:attrName>
@@ -13823,7 +14354,7 @@
                                       <p:cBhvr additive="base">
                                         <p:cTn id="12" dur="500" fill="hold"/>
                                         <p:tgtEl>
-                                          <p:spTgt spid="41"/>
+                                          <p:spTgt spid="22"/>
                                         </p:tgtEl>
                                         <p:attrNameLst>
                                           <p:attrName>ppt_x</p:attrName>
@@ -13846,7 +14377,7 @@
                                       <p:cBhvr additive="base">
                                         <p:cTn id="13" dur="500" fill="hold"/>
                                         <p:tgtEl>
-                                          <p:spTgt spid="41"/>
+                                          <p:spTgt spid="22"/>
                                         </p:tgtEl>
                                         <p:attrNameLst>
                                           <p:attrName>ppt_y</p:attrName>
@@ -13882,7 +14413,7 @@
                                           </p:stCondLst>
                                         </p:cTn>
                                         <p:tgtEl>
-                                          <p:spTgt spid="43"/>
+                                          <p:spTgt spid="23"/>
                                         </p:tgtEl>
                                         <p:attrNameLst>
                                           <p:attrName>style.visibility</p:attrName>
@@ -13896,7 +14427,7 @@
                                       <p:cBhvr additive="base">
                                         <p:cTn id="16" dur="500" fill="hold"/>
                                         <p:tgtEl>
-                                          <p:spTgt spid="43"/>
+                                          <p:spTgt spid="23"/>
                                         </p:tgtEl>
                                         <p:attrNameLst>
                                           <p:attrName>ppt_x</p:attrName>
@@ -13919,7 +14450,7 @@
                                       <p:cBhvr additive="base">
                                         <p:cTn id="17" dur="500" fill="hold"/>
                                         <p:tgtEl>
-                                          <p:spTgt spid="43"/>
+                                          <p:spTgt spid="23"/>
                                         </p:tgtEl>
                                         <p:attrNameLst>
                                           <p:attrName>ppt_y</p:attrName>
@@ -13973,7 +14504,7 @@
                                           </p:stCondLst>
                                         </p:cTn>
                                         <p:tgtEl>
-                                          <p:spTgt spid="42"/>
+                                          <p:spTgt spid="41"/>
                                         </p:tgtEl>
                                         <p:attrNameLst>
                                           <p:attrName>style.visibility</p:attrName>
@@ -13987,7 +14518,7 @@
                                       <p:cBhvr additive="base">
                                         <p:cTn id="22" dur="500" fill="hold"/>
                                         <p:tgtEl>
-                                          <p:spTgt spid="42"/>
+                                          <p:spTgt spid="41"/>
                                         </p:tgtEl>
                                         <p:attrNameLst>
                                           <p:attrName>ppt_x</p:attrName>
@@ -14010,7 +14541,7 @@
                                       <p:cBhvr additive="base">
                                         <p:cTn id="23" dur="500" fill="hold"/>
                                         <p:tgtEl>
-                                          <p:spTgt spid="42"/>
+                                          <p:spTgt spid="41"/>
                                         </p:tgtEl>
                                         <p:attrNameLst>
                                           <p:attrName>ppt_y</p:attrName>
@@ -14046,7 +14577,7 @@
                                           </p:stCondLst>
                                         </p:cTn>
                                         <p:tgtEl>
-                                          <p:spTgt spid="44"/>
+                                          <p:spTgt spid="43"/>
                                         </p:tgtEl>
                                         <p:attrNameLst>
                                           <p:attrName>style.visibility</p:attrName>
@@ -14060,7 +14591,7 @@
                                       <p:cBhvr additive="base">
                                         <p:cTn id="26" dur="500" fill="hold"/>
                                         <p:tgtEl>
-                                          <p:spTgt spid="44"/>
+                                          <p:spTgt spid="43"/>
                                         </p:tgtEl>
                                         <p:attrNameLst>
                                           <p:attrName>ppt_x</p:attrName>
@@ -14083,7 +14614,7 @@
                                       <p:cBhvr additive="base">
                                         <p:cTn id="27" dur="500" fill="hold"/>
                                         <p:tgtEl>
-                                          <p:spTgt spid="44"/>
+                                          <p:spTgt spid="43"/>
                                         </p:tgtEl>
                                         <p:attrNameLst>
                                           <p:attrName>ppt_y</p:attrName>
@@ -14137,7 +14668,7 @@
                                           </p:stCondLst>
                                         </p:cTn>
                                         <p:tgtEl>
-                                          <p:spTgt spid="5"/>
+                                          <p:spTgt spid="42"/>
                                         </p:tgtEl>
                                         <p:attrNameLst>
                                           <p:attrName>style.visibility</p:attrName>
@@ -14151,7 +14682,7 @@
                                       <p:cBhvr additive="base">
                                         <p:cTn id="32" dur="500" fill="hold"/>
                                         <p:tgtEl>
-                                          <p:spTgt spid="5"/>
+                                          <p:spTgt spid="42"/>
                                         </p:tgtEl>
                                         <p:attrNameLst>
                                           <p:attrName>ppt_x</p:attrName>
@@ -14174,7 +14705,7 @@
                                       <p:cBhvr additive="base">
                                         <p:cTn id="33" dur="500" fill="hold"/>
                                         <p:tgtEl>
-                                          <p:spTgt spid="5"/>
+                                          <p:spTgt spid="42"/>
                                         </p:tgtEl>
                                         <p:attrNameLst>
                                           <p:attrName>ppt_y</p:attrName>
@@ -14210,7 +14741,7 @@
                                           </p:stCondLst>
                                         </p:cTn>
                                         <p:tgtEl>
-                                          <p:spTgt spid="46"/>
+                                          <p:spTgt spid="44"/>
                                         </p:tgtEl>
                                         <p:attrNameLst>
                                           <p:attrName>style.visibility</p:attrName>
@@ -14224,7 +14755,7 @@
                                       <p:cBhvr additive="base">
                                         <p:cTn id="36" dur="500" fill="hold"/>
                                         <p:tgtEl>
-                                          <p:spTgt spid="46"/>
+                                          <p:spTgt spid="44"/>
                                         </p:tgtEl>
                                         <p:attrNameLst>
                                           <p:attrName>ppt_x</p:attrName>
@@ -14247,7 +14778,7 @@
                                       <p:cBhvr additive="base">
                                         <p:cTn id="37" dur="500" fill="hold"/>
                                         <p:tgtEl>
-                                          <p:spTgt spid="46"/>
+                                          <p:spTgt spid="44"/>
                                         </p:tgtEl>
                                         <p:attrNameLst>
                                           <p:attrName>ppt_y</p:attrName>
@@ -14301,7 +14832,7 @@
                                           </p:stCondLst>
                                         </p:cTn>
                                         <p:tgtEl>
-                                          <p:spTgt spid="4"/>
+                                          <p:spTgt spid="5"/>
                                         </p:tgtEl>
                                         <p:attrNameLst>
                                           <p:attrName>style.visibility</p:attrName>
@@ -14315,7 +14846,7 @@
                                       <p:cBhvr additive="base">
                                         <p:cTn id="42" dur="500" fill="hold"/>
                                         <p:tgtEl>
-                                          <p:spTgt spid="4"/>
+                                          <p:spTgt spid="5"/>
                                         </p:tgtEl>
                                         <p:attrNameLst>
                                           <p:attrName>ppt_x</p:attrName>
@@ -14338,7 +14869,7 @@
                                       <p:cBhvr additive="base">
                                         <p:cTn id="43" dur="500" fill="hold"/>
                                         <p:tgtEl>
-                                          <p:spTgt spid="4"/>
+                                          <p:spTgt spid="5"/>
                                         </p:tgtEl>
                                         <p:attrNameLst>
                                           <p:attrName>ppt_y</p:attrName>
@@ -14374,6 +14905,170 @@
                                           </p:stCondLst>
                                         </p:cTn>
                                         <p:tgtEl>
+                                          <p:spTgt spid="46"/>
+                                        </p:tgtEl>
+                                        <p:attrNameLst>
+                                          <p:attrName>style.visibility</p:attrName>
+                                        </p:attrNameLst>
+                                      </p:cBhvr>
+                                      <p:to>
+                                        <p:strVal val="visible"/>
+                                      </p:to>
+                                    </p:set>
+                                    <p:anim calcmode="lin" valueType="num">
+                                      <p:cBhvr additive="base">
+                                        <p:cTn id="46" dur="500" fill="hold"/>
+                                        <p:tgtEl>
+                                          <p:spTgt spid="46"/>
+                                        </p:tgtEl>
+                                        <p:attrNameLst>
+                                          <p:attrName>ppt_x</p:attrName>
+                                        </p:attrNameLst>
+                                      </p:cBhvr>
+                                      <p:tavLst>
+                                        <p:tav tm="0">
+                                          <p:val>
+                                            <p:strVal val="#ppt_x"/>
+                                          </p:val>
+                                        </p:tav>
+                                        <p:tav tm="100000">
+                                          <p:val>
+                                            <p:strVal val="#ppt_x"/>
+                                          </p:val>
+                                        </p:tav>
+                                      </p:tavLst>
+                                    </p:anim>
+                                    <p:anim calcmode="lin" valueType="num">
+                                      <p:cBhvr additive="base">
+                                        <p:cTn id="47" dur="500" fill="hold"/>
+                                        <p:tgtEl>
+                                          <p:spTgt spid="46"/>
+                                        </p:tgtEl>
+                                        <p:attrNameLst>
+                                          <p:attrName>ppt_y</p:attrName>
+                                        </p:attrNameLst>
+                                      </p:cBhvr>
+                                      <p:tavLst>
+                                        <p:tav tm="0">
+                                          <p:val>
+                                            <p:strVal val="1+#ppt_h/2"/>
+                                          </p:val>
+                                        </p:tav>
+                                        <p:tav tm="100000">
+                                          <p:val>
+                                            <p:strVal val="#ppt_y"/>
+                                          </p:val>
+                                        </p:tav>
+                                      </p:tavLst>
+                                    </p:anim>
+                                  </p:childTnLst>
+                                </p:cTn>
+                              </p:par>
+                            </p:childTnLst>
+                          </p:cTn>
+                        </p:par>
+                      </p:childTnLst>
+                    </p:cTn>
+                  </p:par>
+                  <p:par>
+                    <p:cTn id="48" fill="hold">
+                      <p:stCondLst>
+                        <p:cond delay="indefinite"/>
+                      </p:stCondLst>
+                      <p:childTnLst>
+                        <p:par>
+                          <p:cTn id="49" fill="hold">
+                            <p:stCondLst>
+                              <p:cond delay="0"/>
+                            </p:stCondLst>
+                            <p:childTnLst>
+                              <p:par>
+                                <p:cTn id="50" presetID="2" presetClass="entr" presetSubtype="4" fill="hold" nodeType="clickEffect">
+                                  <p:stCondLst>
+                                    <p:cond delay="0"/>
+                                  </p:stCondLst>
+                                  <p:childTnLst>
+                                    <p:set>
+                                      <p:cBhvr>
+                                        <p:cTn id="51" dur="1" fill="hold">
+                                          <p:stCondLst>
+                                            <p:cond delay="0"/>
+                                          </p:stCondLst>
+                                        </p:cTn>
+                                        <p:tgtEl>
+                                          <p:spTgt spid="4"/>
+                                        </p:tgtEl>
+                                        <p:attrNameLst>
+                                          <p:attrName>style.visibility</p:attrName>
+                                        </p:attrNameLst>
+                                      </p:cBhvr>
+                                      <p:to>
+                                        <p:strVal val="visible"/>
+                                      </p:to>
+                                    </p:set>
+                                    <p:anim calcmode="lin" valueType="num">
+                                      <p:cBhvr additive="base">
+                                        <p:cTn id="52" dur="500" fill="hold"/>
+                                        <p:tgtEl>
+                                          <p:spTgt spid="4"/>
+                                        </p:tgtEl>
+                                        <p:attrNameLst>
+                                          <p:attrName>ppt_x</p:attrName>
+                                        </p:attrNameLst>
+                                      </p:cBhvr>
+                                      <p:tavLst>
+                                        <p:tav tm="0">
+                                          <p:val>
+                                            <p:strVal val="#ppt_x"/>
+                                          </p:val>
+                                        </p:tav>
+                                        <p:tav tm="100000">
+                                          <p:val>
+                                            <p:strVal val="#ppt_x"/>
+                                          </p:val>
+                                        </p:tav>
+                                      </p:tavLst>
+                                    </p:anim>
+                                    <p:anim calcmode="lin" valueType="num">
+                                      <p:cBhvr additive="base">
+                                        <p:cTn id="53" dur="500" fill="hold"/>
+                                        <p:tgtEl>
+                                          <p:spTgt spid="4"/>
+                                        </p:tgtEl>
+                                        <p:attrNameLst>
+                                          <p:attrName>ppt_y</p:attrName>
+                                        </p:attrNameLst>
+                                      </p:cBhvr>
+                                      <p:tavLst>
+                                        <p:tav tm="0">
+                                          <p:val>
+                                            <p:strVal val="1+#ppt_h/2"/>
+                                          </p:val>
+                                        </p:tav>
+                                        <p:tav tm="100000">
+                                          <p:val>
+                                            <p:strVal val="#ppt_y"/>
+                                          </p:val>
+                                        </p:tav>
+                                      </p:tavLst>
+                                    </p:anim>
+                                  </p:childTnLst>
+                                </p:cTn>
+                              </p:par>
+                              <p:par>
+                                <p:cTn id="54" presetID="2" presetClass="entr" presetSubtype="4" fill="hold" grpId="0" nodeType="withEffect">
+                                  <p:stCondLst>
+                                    <p:cond delay="0"/>
+                                  </p:stCondLst>
+                                  <p:childTnLst>
+                                    <p:set>
+                                      <p:cBhvr>
+                                        <p:cTn id="55" dur="1" fill="hold">
+                                          <p:stCondLst>
+                                            <p:cond delay="0"/>
+                                          </p:stCondLst>
+                                        </p:cTn>
+                                        <p:tgtEl>
                                           <p:spTgt spid="47"/>
                                         </p:tgtEl>
                                         <p:attrNameLst>
@@ -14386,7 +15081,7 @@
                                     </p:set>
                                     <p:anim calcmode="lin" valueType="num">
                                       <p:cBhvr additive="base">
-                                        <p:cTn id="46" dur="500" fill="hold"/>
+                                        <p:cTn id="56" dur="500" fill="hold"/>
                                         <p:tgtEl>
                                           <p:spTgt spid="47"/>
                                         </p:tgtEl>
@@ -14409,7 +15104,7 @@
                                     </p:anim>
                                     <p:anim calcmode="lin" valueType="num">
                                       <p:cBhvr additive="base">
-                                        <p:cTn id="47" dur="500" fill="hold"/>
+                                        <p:cTn id="57" dur="500" fill="hold"/>
                                         <p:tgtEl>
                                           <p:spTgt spid="47"/>
                                         </p:tgtEl>
@@ -14465,6 +15160,7 @@
       <p:bldP spid="44" grpId="0"/>
       <p:bldP spid="46" grpId="0"/>
       <p:bldP spid="47" grpId="0"/>
+      <p:bldP spid="23" grpId="0"/>
     </p:bldLst>
   </p:timing>
 </p:sld>
@@ -14902,7 +15598,7 @@
           <p:cNvPr id="27" name="Picture 26">
             <a:extLst>
               <a:ext uri="{FF2B5EF4-FFF2-40B4-BE49-F238E27FC236}">
-                <a16:creationId xmlns:a16="http://schemas.microsoft.com/office/drawing/2014/main" xmlns="" id="{7C9B4CD5-0A1D-5A4D-9B48-CC637B8B4666}"/>
+                <a16:creationId xmlns="" xmlns:a16="http://schemas.microsoft.com/office/drawing/2014/main" id="{7C9B4CD5-0A1D-5A4D-9B48-CC637B8B4666}"/>
               </a:ext>
             </a:extLst>
           </p:cNvPr>
@@ -15493,7 +16189,7 @@
           <p:cNvPr id="15" name="Picture 14">
             <a:extLst>
               <a:ext uri="{FF2B5EF4-FFF2-40B4-BE49-F238E27FC236}">
-                <a16:creationId xmlns:a16="http://schemas.microsoft.com/office/drawing/2014/main" xmlns="" id="{7C9B4CD5-0A1D-5A4D-9B48-CC637B8B4666}"/>
+                <a16:creationId xmlns="" xmlns:a16="http://schemas.microsoft.com/office/drawing/2014/main" id="{7C9B4CD5-0A1D-5A4D-9B48-CC637B8B4666}"/>
               </a:ext>
             </a:extLst>
           </p:cNvPr>
@@ -16092,7 +16788,7 @@
           <p:cNvPr id="17" name="Picture 16">
             <a:extLst>
               <a:ext uri="{FF2B5EF4-FFF2-40B4-BE49-F238E27FC236}">
-                <a16:creationId xmlns:a16="http://schemas.microsoft.com/office/drawing/2014/main" xmlns="" id="{7C9B4CD5-0A1D-5A4D-9B48-CC637B8B4666}"/>
+                <a16:creationId xmlns="" xmlns:a16="http://schemas.microsoft.com/office/drawing/2014/main" id="{7C9B4CD5-0A1D-5A4D-9B48-CC637B8B4666}"/>
               </a:ext>
             </a:extLst>
           </p:cNvPr>
@@ -16807,7 +17503,7 @@
           <p:cNvPr id="23" name="Picture 22">
             <a:extLst>
               <a:ext uri="{FF2B5EF4-FFF2-40B4-BE49-F238E27FC236}">
-                <a16:creationId xmlns:a16="http://schemas.microsoft.com/office/drawing/2014/main" xmlns="" id="{7C9B4CD5-0A1D-5A4D-9B48-CC637B8B4666}"/>
+                <a16:creationId xmlns="" xmlns:a16="http://schemas.microsoft.com/office/drawing/2014/main" id="{7C9B4CD5-0A1D-5A4D-9B48-CC637B8B4666}"/>
               </a:ext>
             </a:extLst>
           </p:cNvPr>
